--- a/media/vaast-keyboard.pptx
+++ b/media/vaast-keyboard.pptx
@@ -7,9 +7,12 @@
   <p:sldIdLst>
     <p:sldId id="256" r:id="rId2"/>
     <p:sldId id="257" r:id="rId3"/>
-    <p:sldId id="259" r:id="rId4"/>
-    <p:sldId id="258" r:id="rId5"/>
-    <p:sldId id="260" r:id="rId6"/>
+    <p:sldId id="261" r:id="rId4"/>
+    <p:sldId id="259" r:id="rId5"/>
+    <p:sldId id="262" r:id="rId6"/>
+    <p:sldId id="258" r:id="rId7"/>
+    <p:sldId id="260" r:id="rId8"/>
+    <p:sldId id="263" r:id="rId9"/>
   </p:sldIdLst>
   <p:sldSz cx="12192000" cy="6858000"/>
   <p:notesSz cx="6858000" cy="9144000"/>
@@ -138,7 +141,7 @@
           <p:cNvPr id="2" name="Titre 1">
             <a:extLst>
               <a:ext uri="{FF2B5EF4-FFF2-40B4-BE49-F238E27FC236}">
-                <a16:creationId xmlns="" xmlns:a16="http://schemas.microsoft.com/office/drawing/2014/main" id="{50D0BC27-3D3B-4C4C-9441-FBF1FE31D23E}"/>
+                <a16:creationId xmlns:a16="http://schemas.microsoft.com/office/drawing/2014/main" xmlns="" id="{50D0BC27-3D3B-4C4C-9441-FBF1FE31D23E}"/>
               </a:ext>
             </a:extLst>
           </p:cNvPr>
@@ -175,7 +178,7 @@
           <p:cNvPr id="3" name="Sous-titre 2">
             <a:extLst>
               <a:ext uri="{FF2B5EF4-FFF2-40B4-BE49-F238E27FC236}">
-                <a16:creationId xmlns="" xmlns:a16="http://schemas.microsoft.com/office/drawing/2014/main" id="{831A7FA4-8C66-4D4A-817F-D6F0F70E3AD1}"/>
+                <a16:creationId xmlns:a16="http://schemas.microsoft.com/office/drawing/2014/main" xmlns="" id="{831A7FA4-8C66-4D4A-817F-D6F0F70E3AD1}"/>
               </a:ext>
             </a:extLst>
           </p:cNvPr>
@@ -245,7 +248,7 @@
           <p:cNvPr id="4" name="Espace réservé de la date 3">
             <a:extLst>
               <a:ext uri="{FF2B5EF4-FFF2-40B4-BE49-F238E27FC236}">
-                <a16:creationId xmlns="" xmlns:a16="http://schemas.microsoft.com/office/drawing/2014/main" id="{100C44A6-8D69-43A6-AAF3-69012DB44A73}"/>
+                <a16:creationId xmlns:a16="http://schemas.microsoft.com/office/drawing/2014/main" xmlns="" id="{100C44A6-8D69-43A6-AAF3-69012DB44A73}"/>
               </a:ext>
             </a:extLst>
           </p:cNvPr>
@@ -263,7 +266,7 @@
           <a:p>
             <a:fld id="{A3F3EA1E-F417-43FF-B8E8-49A1DF7D9404}" type="datetimeFigureOut">
               <a:rPr lang="fr-FR" smtClean="0"/>
-              <a:t>19/01/2024</a:t>
+              <a:t>12/02/2024</a:t>
             </a:fld>
             <a:endParaRPr lang="fr-FR"/>
           </a:p>
@@ -274,7 +277,7 @@
           <p:cNvPr id="5" name="Espace réservé du pied de page 4">
             <a:extLst>
               <a:ext uri="{FF2B5EF4-FFF2-40B4-BE49-F238E27FC236}">
-                <a16:creationId xmlns="" xmlns:a16="http://schemas.microsoft.com/office/drawing/2014/main" id="{3FFC31E3-1F28-4D0A-9296-BF6A0FBB190B}"/>
+                <a16:creationId xmlns:a16="http://schemas.microsoft.com/office/drawing/2014/main" xmlns="" id="{3FFC31E3-1F28-4D0A-9296-BF6A0FBB190B}"/>
               </a:ext>
             </a:extLst>
           </p:cNvPr>
@@ -299,7 +302,7 @@
           <p:cNvPr id="6" name="Espace réservé du numéro de diapositive 5">
             <a:extLst>
               <a:ext uri="{FF2B5EF4-FFF2-40B4-BE49-F238E27FC236}">
-                <a16:creationId xmlns="" xmlns:a16="http://schemas.microsoft.com/office/drawing/2014/main" id="{D1ABC466-28A6-4E85-93A5-667A0DB71FC9}"/>
+                <a16:creationId xmlns:a16="http://schemas.microsoft.com/office/drawing/2014/main" xmlns="" id="{D1ABC466-28A6-4E85-93A5-667A0DB71FC9}"/>
               </a:ext>
             </a:extLst>
           </p:cNvPr>
@@ -358,7 +361,7 @@
           <p:cNvPr id="2" name="Titre 1">
             <a:extLst>
               <a:ext uri="{FF2B5EF4-FFF2-40B4-BE49-F238E27FC236}">
-                <a16:creationId xmlns="" xmlns:a16="http://schemas.microsoft.com/office/drawing/2014/main" id="{7F6A937E-296C-4250-9AC6-379E50CE051E}"/>
+                <a16:creationId xmlns:a16="http://schemas.microsoft.com/office/drawing/2014/main" xmlns="" id="{7F6A937E-296C-4250-9AC6-379E50CE051E}"/>
               </a:ext>
             </a:extLst>
           </p:cNvPr>
@@ -386,7 +389,7 @@
           <p:cNvPr id="3" name="Espace réservé du texte vertical 2">
             <a:extLst>
               <a:ext uri="{FF2B5EF4-FFF2-40B4-BE49-F238E27FC236}">
-                <a16:creationId xmlns="" xmlns:a16="http://schemas.microsoft.com/office/drawing/2014/main" id="{57417771-D2FB-4C67-A122-ADEE2472C8AC}"/>
+                <a16:creationId xmlns:a16="http://schemas.microsoft.com/office/drawing/2014/main" xmlns="" id="{57417771-D2FB-4C67-A122-ADEE2472C8AC}"/>
               </a:ext>
             </a:extLst>
           </p:cNvPr>
@@ -443,7 +446,7 @@
           <p:cNvPr id="4" name="Espace réservé de la date 3">
             <a:extLst>
               <a:ext uri="{FF2B5EF4-FFF2-40B4-BE49-F238E27FC236}">
-                <a16:creationId xmlns="" xmlns:a16="http://schemas.microsoft.com/office/drawing/2014/main" id="{35EAFE5C-7B39-4785-A0A0-F00C6768DBF6}"/>
+                <a16:creationId xmlns:a16="http://schemas.microsoft.com/office/drawing/2014/main" xmlns="" id="{35EAFE5C-7B39-4785-A0A0-F00C6768DBF6}"/>
               </a:ext>
             </a:extLst>
           </p:cNvPr>
@@ -461,7 +464,7 @@
           <a:p>
             <a:fld id="{A3F3EA1E-F417-43FF-B8E8-49A1DF7D9404}" type="datetimeFigureOut">
               <a:rPr lang="fr-FR" smtClean="0"/>
-              <a:t>19/01/2024</a:t>
+              <a:t>12/02/2024</a:t>
             </a:fld>
             <a:endParaRPr lang="fr-FR"/>
           </a:p>
@@ -472,7 +475,7 @@
           <p:cNvPr id="5" name="Espace réservé du pied de page 4">
             <a:extLst>
               <a:ext uri="{FF2B5EF4-FFF2-40B4-BE49-F238E27FC236}">
-                <a16:creationId xmlns="" xmlns:a16="http://schemas.microsoft.com/office/drawing/2014/main" id="{A2EB4B77-F367-4896-9A41-37982E933502}"/>
+                <a16:creationId xmlns:a16="http://schemas.microsoft.com/office/drawing/2014/main" xmlns="" id="{A2EB4B77-F367-4896-9A41-37982E933502}"/>
               </a:ext>
             </a:extLst>
           </p:cNvPr>
@@ -497,7 +500,7 @@
           <p:cNvPr id="6" name="Espace réservé du numéro de diapositive 5">
             <a:extLst>
               <a:ext uri="{FF2B5EF4-FFF2-40B4-BE49-F238E27FC236}">
-                <a16:creationId xmlns="" xmlns:a16="http://schemas.microsoft.com/office/drawing/2014/main" id="{C4B0386F-BA89-469C-8F26-A1F0B2CC4F18}"/>
+                <a16:creationId xmlns:a16="http://schemas.microsoft.com/office/drawing/2014/main" xmlns="" id="{C4B0386F-BA89-469C-8F26-A1F0B2CC4F18}"/>
               </a:ext>
             </a:extLst>
           </p:cNvPr>
@@ -556,7 +559,7 @@
           <p:cNvPr id="2" name="Titre vertical 1">
             <a:extLst>
               <a:ext uri="{FF2B5EF4-FFF2-40B4-BE49-F238E27FC236}">
-                <a16:creationId xmlns="" xmlns:a16="http://schemas.microsoft.com/office/drawing/2014/main" id="{937A1F17-97B8-4C13-9F72-3ADB091AFB4A}"/>
+                <a16:creationId xmlns:a16="http://schemas.microsoft.com/office/drawing/2014/main" xmlns="" id="{937A1F17-97B8-4C13-9F72-3ADB091AFB4A}"/>
               </a:ext>
             </a:extLst>
           </p:cNvPr>
@@ -589,7 +592,7 @@
           <p:cNvPr id="3" name="Espace réservé du texte vertical 2">
             <a:extLst>
               <a:ext uri="{FF2B5EF4-FFF2-40B4-BE49-F238E27FC236}">
-                <a16:creationId xmlns="" xmlns:a16="http://schemas.microsoft.com/office/drawing/2014/main" id="{6D6F0005-F546-497A-9C5B-51D9E70E92F7}"/>
+                <a16:creationId xmlns:a16="http://schemas.microsoft.com/office/drawing/2014/main" xmlns="" id="{6D6F0005-F546-497A-9C5B-51D9E70E92F7}"/>
               </a:ext>
             </a:extLst>
           </p:cNvPr>
@@ -651,7 +654,7 @@
           <p:cNvPr id="4" name="Espace réservé de la date 3">
             <a:extLst>
               <a:ext uri="{FF2B5EF4-FFF2-40B4-BE49-F238E27FC236}">
-                <a16:creationId xmlns="" xmlns:a16="http://schemas.microsoft.com/office/drawing/2014/main" id="{B35F546D-A47B-47FE-BA99-C84F1B7F3A70}"/>
+                <a16:creationId xmlns:a16="http://schemas.microsoft.com/office/drawing/2014/main" xmlns="" id="{B35F546D-A47B-47FE-BA99-C84F1B7F3A70}"/>
               </a:ext>
             </a:extLst>
           </p:cNvPr>
@@ -669,7 +672,7 @@
           <a:p>
             <a:fld id="{A3F3EA1E-F417-43FF-B8E8-49A1DF7D9404}" type="datetimeFigureOut">
               <a:rPr lang="fr-FR" smtClean="0"/>
-              <a:t>19/01/2024</a:t>
+              <a:t>12/02/2024</a:t>
             </a:fld>
             <a:endParaRPr lang="fr-FR"/>
           </a:p>
@@ -680,7 +683,7 @@
           <p:cNvPr id="5" name="Espace réservé du pied de page 4">
             <a:extLst>
               <a:ext uri="{FF2B5EF4-FFF2-40B4-BE49-F238E27FC236}">
-                <a16:creationId xmlns="" xmlns:a16="http://schemas.microsoft.com/office/drawing/2014/main" id="{16D707B7-DE16-45D2-8E00-C1935F6DBCD9}"/>
+                <a16:creationId xmlns:a16="http://schemas.microsoft.com/office/drawing/2014/main" xmlns="" id="{16D707B7-DE16-45D2-8E00-C1935F6DBCD9}"/>
               </a:ext>
             </a:extLst>
           </p:cNvPr>
@@ -705,7 +708,7 @@
           <p:cNvPr id="6" name="Espace réservé du numéro de diapositive 5">
             <a:extLst>
               <a:ext uri="{FF2B5EF4-FFF2-40B4-BE49-F238E27FC236}">
-                <a16:creationId xmlns="" xmlns:a16="http://schemas.microsoft.com/office/drawing/2014/main" id="{D62A4451-1951-44C1-A870-99253F190E50}"/>
+                <a16:creationId xmlns:a16="http://schemas.microsoft.com/office/drawing/2014/main" xmlns="" id="{D62A4451-1951-44C1-A870-99253F190E50}"/>
               </a:ext>
             </a:extLst>
           </p:cNvPr>
@@ -764,7 +767,7 @@
           <p:cNvPr id="2" name="Titre 1">
             <a:extLst>
               <a:ext uri="{FF2B5EF4-FFF2-40B4-BE49-F238E27FC236}">
-                <a16:creationId xmlns="" xmlns:a16="http://schemas.microsoft.com/office/drawing/2014/main" id="{171D054A-8D09-4F2D-9B63-6EE7AC0D19D5}"/>
+                <a16:creationId xmlns:a16="http://schemas.microsoft.com/office/drawing/2014/main" xmlns="" id="{171D054A-8D09-4F2D-9B63-6EE7AC0D19D5}"/>
               </a:ext>
             </a:extLst>
           </p:cNvPr>
@@ -792,7 +795,7 @@
           <p:cNvPr id="3" name="Espace réservé du contenu 2">
             <a:extLst>
               <a:ext uri="{FF2B5EF4-FFF2-40B4-BE49-F238E27FC236}">
-                <a16:creationId xmlns="" xmlns:a16="http://schemas.microsoft.com/office/drawing/2014/main" id="{EBE3B7FE-AB8C-495B-90BD-033DBB9D2763}"/>
+                <a16:creationId xmlns:a16="http://schemas.microsoft.com/office/drawing/2014/main" xmlns="" id="{EBE3B7FE-AB8C-495B-90BD-033DBB9D2763}"/>
               </a:ext>
             </a:extLst>
           </p:cNvPr>
@@ -849,7 +852,7 @@
           <p:cNvPr id="4" name="Espace réservé de la date 3">
             <a:extLst>
               <a:ext uri="{FF2B5EF4-FFF2-40B4-BE49-F238E27FC236}">
-                <a16:creationId xmlns="" xmlns:a16="http://schemas.microsoft.com/office/drawing/2014/main" id="{08F4439D-BA35-48CD-A020-4BD2F792D788}"/>
+                <a16:creationId xmlns:a16="http://schemas.microsoft.com/office/drawing/2014/main" xmlns="" id="{08F4439D-BA35-48CD-A020-4BD2F792D788}"/>
               </a:ext>
             </a:extLst>
           </p:cNvPr>
@@ -867,7 +870,7 @@
           <a:p>
             <a:fld id="{A3F3EA1E-F417-43FF-B8E8-49A1DF7D9404}" type="datetimeFigureOut">
               <a:rPr lang="fr-FR" smtClean="0"/>
-              <a:t>19/01/2024</a:t>
+              <a:t>12/02/2024</a:t>
             </a:fld>
             <a:endParaRPr lang="fr-FR"/>
           </a:p>
@@ -878,7 +881,7 @@
           <p:cNvPr id="5" name="Espace réservé du pied de page 4">
             <a:extLst>
               <a:ext uri="{FF2B5EF4-FFF2-40B4-BE49-F238E27FC236}">
-                <a16:creationId xmlns="" xmlns:a16="http://schemas.microsoft.com/office/drawing/2014/main" id="{76779D80-263D-49A0-B501-887533D8ABCF}"/>
+                <a16:creationId xmlns:a16="http://schemas.microsoft.com/office/drawing/2014/main" xmlns="" id="{76779D80-263D-49A0-B501-887533D8ABCF}"/>
               </a:ext>
             </a:extLst>
           </p:cNvPr>
@@ -903,7 +906,7 @@
           <p:cNvPr id="6" name="Espace réservé du numéro de diapositive 5">
             <a:extLst>
               <a:ext uri="{FF2B5EF4-FFF2-40B4-BE49-F238E27FC236}">
-                <a16:creationId xmlns="" xmlns:a16="http://schemas.microsoft.com/office/drawing/2014/main" id="{B693CB84-EF07-42D3-8CA6-61F47181A1F9}"/>
+                <a16:creationId xmlns:a16="http://schemas.microsoft.com/office/drawing/2014/main" xmlns="" id="{B693CB84-EF07-42D3-8CA6-61F47181A1F9}"/>
               </a:ext>
             </a:extLst>
           </p:cNvPr>
@@ -962,7 +965,7 @@
           <p:cNvPr id="2" name="Titre 1">
             <a:extLst>
               <a:ext uri="{FF2B5EF4-FFF2-40B4-BE49-F238E27FC236}">
-                <a16:creationId xmlns="" xmlns:a16="http://schemas.microsoft.com/office/drawing/2014/main" id="{8FB62D90-7E6D-4573-9EFF-F823AA8262BD}"/>
+                <a16:creationId xmlns:a16="http://schemas.microsoft.com/office/drawing/2014/main" xmlns="" id="{8FB62D90-7E6D-4573-9EFF-F823AA8262BD}"/>
               </a:ext>
             </a:extLst>
           </p:cNvPr>
@@ -999,7 +1002,7 @@
           <p:cNvPr id="3" name="Espace réservé du texte 2">
             <a:extLst>
               <a:ext uri="{FF2B5EF4-FFF2-40B4-BE49-F238E27FC236}">
-                <a16:creationId xmlns="" xmlns:a16="http://schemas.microsoft.com/office/drawing/2014/main" id="{591A6F27-5F79-4EF1-A917-9610DB98E566}"/>
+                <a16:creationId xmlns:a16="http://schemas.microsoft.com/office/drawing/2014/main" xmlns="" id="{591A6F27-5F79-4EF1-A917-9610DB98E566}"/>
               </a:ext>
             </a:extLst>
           </p:cNvPr>
@@ -1124,7 +1127,7 @@
           <p:cNvPr id="4" name="Espace réservé de la date 3">
             <a:extLst>
               <a:ext uri="{FF2B5EF4-FFF2-40B4-BE49-F238E27FC236}">
-                <a16:creationId xmlns="" xmlns:a16="http://schemas.microsoft.com/office/drawing/2014/main" id="{346F5C9C-B5C9-47A1-820C-6FC0734C3201}"/>
+                <a16:creationId xmlns:a16="http://schemas.microsoft.com/office/drawing/2014/main" xmlns="" id="{346F5C9C-B5C9-47A1-820C-6FC0734C3201}"/>
               </a:ext>
             </a:extLst>
           </p:cNvPr>
@@ -1142,7 +1145,7 @@
           <a:p>
             <a:fld id="{A3F3EA1E-F417-43FF-B8E8-49A1DF7D9404}" type="datetimeFigureOut">
               <a:rPr lang="fr-FR" smtClean="0"/>
-              <a:t>19/01/2024</a:t>
+              <a:t>12/02/2024</a:t>
             </a:fld>
             <a:endParaRPr lang="fr-FR"/>
           </a:p>
@@ -1153,7 +1156,7 @@
           <p:cNvPr id="5" name="Espace réservé du pied de page 4">
             <a:extLst>
               <a:ext uri="{FF2B5EF4-FFF2-40B4-BE49-F238E27FC236}">
-                <a16:creationId xmlns="" xmlns:a16="http://schemas.microsoft.com/office/drawing/2014/main" id="{E83BF1AF-7CE5-4EF9-AAAF-8A3CC98BBAFD}"/>
+                <a16:creationId xmlns:a16="http://schemas.microsoft.com/office/drawing/2014/main" xmlns="" id="{E83BF1AF-7CE5-4EF9-AAAF-8A3CC98BBAFD}"/>
               </a:ext>
             </a:extLst>
           </p:cNvPr>
@@ -1178,7 +1181,7 @@
           <p:cNvPr id="6" name="Espace réservé du numéro de diapositive 5">
             <a:extLst>
               <a:ext uri="{FF2B5EF4-FFF2-40B4-BE49-F238E27FC236}">
-                <a16:creationId xmlns="" xmlns:a16="http://schemas.microsoft.com/office/drawing/2014/main" id="{7B68AE3F-66D6-412D-8C1A-CA2C5BE36821}"/>
+                <a16:creationId xmlns:a16="http://schemas.microsoft.com/office/drawing/2014/main" xmlns="" id="{7B68AE3F-66D6-412D-8C1A-CA2C5BE36821}"/>
               </a:ext>
             </a:extLst>
           </p:cNvPr>
@@ -1237,7 +1240,7 @@
           <p:cNvPr id="2" name="Titre 1">
             <a:extLst>
               <a:ext uri="{FF2B5EF4-FFF2-40B4-BE49-F238E27FC236}">
-                <a16:creationId xmlns="" xmlns:a16="http://schemas.microsoft.com/office/drawing/2014/main" id="{6CBECD8E-0F6B-4B57-963F-A8F0AC9A82A1}"/>
+                <a16:creationId xmlns:a16="http://schemas.microsoft.com/office/drawing/2014/main" xmlns="" id="{6CBECD8E-0F6B-4B57-963F-A8F0AC9A82A1}"/>
               </a:ext>
             </a:extLst>
           </p:cNvPr>
@@ -1265,7 +1268,7 @@
           <p:cNvPr id="3" name="Espace réservé du contenu 2">
             <a:extLst>
               <a:ext uri="{FF2B5EF4-FFF2-40B4-BE49-F238E27FC236}">
-                <a16:creationId xmlns="" xmlns:a16="http://schemas.microsoft.com/office/drawing/2014/main" id="{DABA51CD-4016-4261-BCF2-3276D74C02EC}"/>
+                <a16:creationId xmlns:a16="http://schemas.microsoft.com/office/drawing/2014/main" xmlns="" id="{DABA51CD-4016-4261-BCF2-3276D74C02EC}"/>
               </a:ext>
             </a:extLst>
           </p:cNvPr>
@@ -1327,7 +1330,7 @@
           <p:cNvPr id="4" name="Espace réservé du contenu 3">
             <a:extLst>
               <a:ext uri="{FF2B5EF4-FFF2-40B4-BE49-F238E27FC236}">
-                <a16:creationId xmlns="" xmlns:a16="http://schemas.microsoft.com/office/drawing/2014/main" id="{44AF2F7D-987F-4964-9E65-3C2265972B84}"/>
+                <a16:creationId xmlns:a16="http://schemas.microsoft.com/office/drawing/2014/main" xmlns="" id="{44AF2F7D-987F-4964-9E65-3C2265972B84}"/>
               </a:ext>
             </a:extLst>
           </p:cNvPr>
@@ -1389,7 +1392,7 @@
           <p:cNvPr id="5" name="Espace réservé de la date 4">
             <a:extLst>
               <a:ext uri="{FF2B5EF4-FFF2-40B4-BE49-F238E27FC236}">
-                <a16:creationId xmlns="" xmlns:a16="http://schemas.microsoft.com/office/drawing/2014/main" id="{16FFF72E-B3DD-4AE4-BE46-9992EAC1EEA3}"/>
+                <a16:creationId xmlns:a16="http://schemas.microsoft.com/office/drawing/2014/main" xmlns="" id="{16FFF72E-B3DD-4AE4-BE46-9992EAC1EEA3}"/>
               </a:ext>
             </a:extLst>
           </p:cNvPr>
@@ -1407,7 +1410,7 @@
           <a:p>
             <a:fld id="{A3F3EA1E-F417-43FF-B8E8-49A1DF7D9404}" type="datetimeFigureOut">
               <a:rPr lang="fr-FR" smtClean="0"/>
-              <a:t>19/01/2024</a:t>
+              <a:t>12/02/2024</a:t>
             </a:fld>
             <a:endParaRPr lang="fr-FR"/>
           </a:p>
@@ -1418,7 +1421,7 @@
           <p:cNvPr id="6" name="Espace réservé du pied de page 5">
             <a:extLst>
               <a:ext uri="{FF2B5EF4-FFF2-40B4-BE49-F238E27FC236}">
-                <a16:creationId xmlns="" xmlns:a16="http://schemas.microsoft.com/office/drawing/2014/main" id="{E1B87B59-E2E5-420D-8D70-5D3C895940DD}"/>
+                <a16:creationId xmlns:a16="http://schemas.microsoft.com/office/drawing/2014/main" xmlns="" id="{E1B87B59-E2E5-420D-8D70-5D3C895940DD}"/>
               </a:ext>
             </a:extLst>
           </p:cNvPr>
@@ -1443,7 +1446,7 @@
           <p:cNvPr id="7" name="Espace réservé du numéro de diapositive 6">
             <a:extLst>
               <a:ext uri="{FF2B5EF4-FFF2-40B4-BE49-F238E27FC236}">
-                <a16:creationId xmlns="" xmlns:a16="http://schemas.microsoft.com/office/drawing/2014/main" id="{60283543-B097-455C-821C-585F46A3A8E7}"/>
+                <a16:creationId xmlns:a16="http://schemas.microsoft.com/office/drawing/2014/main" xmlns="" id="{60283543-B097-455C-821C-585F46A3A8E7}"/>
               </a:ext>
             </a:extLst>
           </p:cNvPr>
@@ -1502,7 +1505,7 @@
           <p:cNvPr id="2" name="Titre 1">
             <a:extLst>
               <a:ext uri="{FF2B5EF4-FFF2-40B4-BE49-F238E27FC236}">
-                <a16:creationId xmlns="" xmlns:a16="http://schemas.microsoft.com/office/drawing/2014/main" id="{CCF73D6D-490B-4438-8897-3430E9CE4217}"/>
+                <a16:creationId xmlns:a16="http://schemas.microsoft.com/office/drawing/2014/main" xmlns="" id="{CCF73D6D-490B-4438-8897-3430E9CE4217}"/>
               </a:ext>
             </a:extLst>
           </p:cNvPr>
@@ -1535,7 +1538,7 @@
           <p:cNvPr id="3" name="Espace réservé du texte 2">
             <a:extLst>
               <a:ext uri="{FF2B5EF4-FFF2-40B4-BE49-F238E27FC236}">
-                <a16:creationId xmlns="" xmlns:a16="http://schemas.microsoft.com/office/drawing/2014/main" id="{652B5D87-826A-4944-881E-CBAC16513C01}"/>
+                <a16:creationId xmlns:a16="http://schemas.microsoft.com/office/drawing/2014/main" xmlns="" id="{652B5D87-826A-4944-881E-CBAC16513C01}"/>
               </a:ext>
             </a:extLst>
           </p:cNvPr>
@@ -1606,7 +1609,7 @@
           <p:cNvPr id="4" name="Espace réservé du contenu 3">
             <a:extLst>
               <a:ext uri="{FF2B5EF4-FFF2-40B4-BE49-F238E27FC236}">
-                <a16:creationId xmlns="" xmlns:a16="http://schemas.microsoft.com/office/drawing/2014/main" id="{D07E7A04-7BAA-43B0-9F23-A944A7B1F82A}"/>
+                <a16:creationId xmlns:a16="http://schemas.microsoft.com/office/drawing/2014/main" xmlns="" id="{D07E7A04-7BAA-43B0-9F23-A944A7B1F82A}"/>
               </a:ext>
             </a:extLst>
           </p:cNvPr>
@@ -1668,7 +1671,7 @@
           <p:cNvPr id="5" name="Espace réservé du texte 4">
             <a:extLst>
               <a:ext uri="{FF2B5EF4-FFF2-40B4-BE49-F238E27FC236}">
-                <a16:creationId xmlns="" xmlns:a16="http://schemas.microsoft.com/office/drawing/2014/main" id="{FFA5FB49-57C6-4F6B-9323-A69CAFEE5E1B}"/>
+                <a16:creationId xmlns:a16="http://schemas.microsoft.com/office/drawing/2014/main" xmlns="" id="{FFA5FB49-57C6-4F6B-9323-A69CAFEE5E1B}"/>
               </a:ext>
             </a:extLst>
           </p:cNvPr>
@@ -1739,7 +1742,7 @@
           <p:cNvPr id="6" name="Espace réservé du contenu 5">
             <a:extLst>
               <a:ext uri="{FF2B5EF4-FFF2-40B4-BE49-F238E27FC236}">
-                <a16:creationId xmlns="" xmlns:a16="http://schemas.microsoft.com/office/drawing/2014/main" id="{2B65D0F4-F760-41AF-9595-50606AC2AFC0}"/>
+                <a16:creationId xmlns:a16="http://schemas.microsoft.com/office/drawing/2014/main" xmlns="" id="{2B65D0F4-F760-41AF-9595-50606AC2AFC0}"/>
               </a:ext>
             </a:extLst>
           </p:cNvPr>
@@ -1801,7 +1804,7 @@
           <p:cNvPr id="7" name="Espace réservé de la date 6">
             <a:extLst>
               <a:ext uri="{FF2B5EF4-FFF2-40B4-BE49-F238E27FC236}">
-                <a16:creationId xmlns="" xmlns:a16="http://schemas.microsoft.com/office/drawing/2014/main" id="{9B6143B7-B01F-4E17-A2AC-576123DBCF3C}"/>
+                <a16:creationId xmlns:a16="http://schemas.microsoft.com/office/drawing/2014/main" xmlns="" id="{9B6143B7-B01F-4E17-A2AC-576123DBCF3C}"/>
               </a:ext>
             </a:extLst>
           </p:cNvPr>
@@ -1819,7 +1822,7 @@
           <a:p>
             <a:fld id="{A3F3EA1E-F417-43FF-B8E8-49A1DF7D9404}" type="datetimeFigureOut">
               <a:rPr lang="fr-FR" smtClean="0"/>
-              <a:t>19/01/2024</a:t>
+              <a:t>12/02/2024</a:t>
             </a:fld>
             <a:endParaRPr lang="fr-FR"/>
           </a:p>
@@ -1830,7 +1833,7 @@
           <p:cNvPr id="8" name="Espace réservé du pied de page 7">
             <a:extLst>
               <a:ext uri="{FF2B5EF4-FFF2-40B4-BE49-F238E27FC236}">
-                <a16:creationId xmlns="" xmlns:a16="http://schemas.microsoft.com/office/drawing/2014/main" id="{B3D75F20-C7AB-4B56-9CFF-E21FE99738E3}"/>
+                <a16:creationId xmlns:a16="http://schemas.microsoft.com/office/drawing/2014/main" xmlns="" id="{B3D75F20-C7AB-4B56-9CFF-E21FE99738E3}"/>
               </a:ext>
             </a:extLst>
           </p:cNvPr>
@@ -1855,7 +1858,7 @@
           <p:cNvPr id="9" name="Espace réservé du numéro de diapositive 8">
             <a:extLst>
               <a:ext uri="{FF2B5EF4-FFF2-40B4-BE49-F238E27FC236}">
-                <a16:creationId xmlns="" xmlns:a16="http://schemas.microsoft.com/office/drawing/2014/main" id="{6D40ABDB-B044-452D-93FF-E5DFEAE98094}"/>
+                <a16:creationId xmlns:a16="http://schemas.microsoft.com/office/drawing/2014/main" xmlns="" id="{6D40ABDB-B044-452D-93FF-E5DFEAE98094}"/>
               </a:ext>
             </a:extLst>
           </p:cNvPr>
@@ -1914,7 +1917,7 @@
           <p:cNvPr id="2" name="Titre 1">
             <a:extLst>
               <a:ext uri="{FF2B5EF4-FFF2-40B4-BE49-F238E27FC236}">
-                <a16:creationId xmlns="" xmlns:a16="http://schemas.microsoft.com/office/drawing/2014/main" id="{AF79B68A-0BD8-424B-BD62-D720E501417A}"/>
+                <a16:creationId xmlns:a16="http://schemas.microsoft.com/office/drawing/2014/main" xmlns="" id="{AF79B68A-0BD8-424B-BD62-D720E501417A}"/>
               </a:ext>
             </a:extLst>
           </p:cNvPr>
@@ -1942,7 +1945,7 @@
           <p:cNvPr id="3" name="Espace réservé de la date 2">
             <a:extLst>
               <a:ext uri="{FF2B5EF4-FFF2-40B4-BE49-F238E27FC236}">
-                <a16:creationId xmlns="" xmlns:a16="http://schemas.microsoft.com/office/drawing/2014/main" id="{8A04B297-12C1-4982-8886-350FC87DBB80}"/>
+                <a16:creationId xmlns:a16="http://schemas.microsoft.com/office/drawing/2014/main" xmlns="" id="{8A04B297-12C1-4982-8886-350FC87DBB80}"/>
               </a:ext>
             </a:extLst>
           </p:cNvPr>
@@ -1960,7 +1963,7 @@
           <a:p>
             <a:fld id="{A3F3EA1E-F417-43FF-B8E8-49A1DF7D9404}" type="datetimeFigureOut">
               <a:rPr lang="fr-FR" smtClean="0"/>
-              <a:t>19/01/2024</a:t>
+              <a:t>12/02/2024</a:t>
             </a:fld>
             <a:endParaRPr lang="fr-FR"/>
           </a:p>
@@ -1971,7 +1974,7 @@
           <p:cNvPr id="4" name="Espace réservé du pied de page 3">
             <a:extLst>
               <a:ext uri="{FF2B5EF4-FFF2-40B4-BE49-F238E27FC236}">
-                <a16:creationId xmlns="" xmlns:a16="http://schemas.microsoft.com/office/drawing/2014/main" id="{25E4B830-003C-44B1-BEA3-7D1D01FA7734}"/>
+                <a16:creationId xmlns:a16="http://schemas.microsoft.com/office/drawing/2014/main" xmlns="" id="{25E4B830-003C-44B1-BEA3-7D1D01FA7734}"/>
               </a:ext>
             </a:extLst>
           </p:cNvPr>
@@ -1996,7 +1999,7 @@
           <p:cNvPr id="5" name="Espace réservé du numéro de diapositive 4">
             <a:extLst>
               <a:ext uri="{FF2B5EF4-FFF2-40B4-BE49-F238E27FC236}">
-                <a16:creationId xmlns="" xmlns:a16="http://schemas.microsoft.com/office/drawing/2014/main" id="{0209DEBD-34F7-4D5A-A67C-851316E87A8F}"/>
+                <a16:creationId xmlns:a16="http://schemas.microsoft.com/office/drawing/2014/main" xmlns="" id="{0209DEBD-34F7-4D5A-A67C-851316E87A8F}"/>
               </a:ext>
             </a:extLst>
           </p:cNvPr>
@@ -2055,7 +2058,7 @@
           <p:cNvPr id="2" name="Espace réservé de la date 1">
             <a:extLst>
               <a:ext uri="{FF2B5EF4-FFF2-40B4-BE49-F238E27FC236}">
-                <a16:creationId xmlns="" xmlns:a16="http://schemas.microsoft.com/office/drawing/2014/main" id="{61F61969-F225-4BB7-8AB7-68929B265302}"/>
+                <a16:creationId xmlns:a16="http://schemas.microsoft.com/office/drawing/2014/main" xmlns="" id="{61F61969-F225-4BB7-8AB7-68929B265302}"/>
               </a:ext>
             </a:extLst>
           </p:cNvPr>
@@ -2073,7 +2076,7 @@
           <a:p>
             <a:fld id="{A3F3EA1E-F417-43FF-B8E8-49A1DF7D9404}" type="datetimeFigureOut">
               <a:rPr lang="fr-FR" smtClean="0"/>
-              <a:t>19/01/2024</a:t>
+              <a:t>12/02/2024</a:t>
             </a:fld>
             <a:endParaRPr lang="fr-FR"/>
           </a:p>
@@ -2084,7 +2087,7 @@
           <p:cNvPr id="3" name="Espace réservé du pied de page 2">
             <a:extLst>
               <a:ext uri="{FF2B5EF4-FFF2-40B4-BE49-F238E27FC236}">
-                <a16:creationId xmlns="" xmlns:a16="http://schemas.microsoft.com/office/drawing/2014/main" id="{19C5BCBC-284B-4E10-A443-D0ECE9496B53}"/>
+                <a16:creationId xmlns:a16="http://schemas.microsoft.com/office/drawing/2014/main" xmlns="" id="{19C5BCBC-284B-4E10-A443-D0ECE9496B53}"/>
               </a:ext>
             </a:extLst>
           </p:cNvPr>
@@ -2109,7 +2112,7 @@
           <p:cNvPr id="4" name="Espace réservé du numéro de diapositive 3">
             <a:extLst>
               <a:ext uri="{FF2B5EF4-FFF2-40B4-BE49-F238E27FC236}">
-                <a16:creationId xmlns="" xmlns:a16="http://schemas.microsoft.com/office/drawing/2014/main" id="{A2F8E29A-248B-475E-8DB6-786AEF0B50DA}"/>
+                <a16:creationId xmlns:a16="http://schemas.microsoft.com/office/drawing/2014/main" xmlns="" id="{A2F8E29A-248B-475E-8DB6-786AEF0B50DA}"/>
               </a:ext>
             </a:extLst>
           </p:cNvPr>
@@ -2168,7 +2171,7 @@
           <p:cNvPr id="2" name="Titre 1">
             <a:extLst>
               <a:ext uri="{FF2B5EF4-FFF2-40B4-BE49-F238E27FC236}">
-                <a16:creationId xmlns="" xmlns:a16="http://schemas.microsoft.com/office/drawing/2014/main" id="{4D0285E7-EECF-4304-B237-C7A270A00569}"/>
+                <a16:creationId xmlns:a16="http://schemas.microsoft.com/office/drawing/2014/main" xmlns="" id="{4D0285E7-EECF-4304-B237-C7A270A00569}"/>
               </a:ext>
             </a:extLst>
           </p:cNvPr>
@@ -2205,7 +2208,7 @@
           <p:cNvPr id="3" name="Espace réservé du contenu 2">
             <a:extLst>
               <a:ext uri="{FF2B5EF4-FFF2-40B4-BE49-F238E27FC236}">
-                <a16:creationId xmlns="" xmlns:a16="http://schemas.microsoft.com/office/drawing/2014/main" id="{226FFF2A-EF07-4E37-868D-D332651E8B39}"/>
+                <a16:creationId xmlns:a16="http://schemas.microsoft.com/office/drawing/2014/main" xmlns="" id="{226FFF2A-EF07-4E37-868D-D332651E8B39}"/>
               </a:ext>
             </a:extLst>
           </p:cNvPr>
@@ -2295,7 +2298,7 @@
           <p:cNvPr id="4" name="Espace réservé du texte 3">
             <a:extLst>
               <a:ext uri="{FF2B5EF4-FFF2-40B4-BE49-F238E27FC236}">
-                <a16:creationId xmlns="" xmlns:a16="http://schemas.microsoft.com/office/drawing/2014/main" id="{EEC4AABD-72D8-4E2D-991B-D7C881950893}"/>
+                <a16:creationId xmlns:a16="http://schemas.microsoft.com/office/drawing/2014/main" xmlns="" id="{EEC4AABD-72D8-4E2D-991B-D7C881950893}"/>
               </a:ext>
             </a:extLst>
           </p:cNvPr>
@@ -2366,7 +2369,7 @@
           <p:cNvPr id="5" name="Espace réservé de la date 4">
             <a:extLst>
               <a:ext uri="{FF2B5EF4-FFF2-40B4-BE49-F238E27FC236}">
-                <a16:creationId xmlns="" xmlns:a16="http://schemas.microsoft.com/office/drawing/2014/main" id="{690D8182-E4A7-445D-AEB2-A9EAA209E0F9}"/>
+                <a16:creationId xmlns:a16="http://schemas.microsoft.com/office/drawing/2014/main" xmlns="" id="{690D8182-E4A7-445D-AEB2-A9EAA209E0F9}"/>
               </a:ext>
             </a:extLst>
           </p:cNvPr>
@@ -2384,7 +2387,7 @@
           <a:p>
             <a:fld id="{A3F3EA1E-F417-43FF-B8E8-49A1DF7D9404}" type="datetimeFigureOut">
               <a:rPr lang="fr-FR" smtClean="0"/>
-              <a:t>19/01/2024</a:t>
+              <a:t>12/02/2024</a:t>
             </a:fld>
             <a:endParaRPr lang="fr-FR"/>
           </a:p>
@@ -2395,7 +2398,7 @@
           <p:cNvPr id="6" name="Espace réservé du pied de page 5">
             <a:extLst>
               <a:ext uri="{FF2B5EF4-FFF2-40B4-BE49-F238E27FC236}">
-                <a16:creationId xmlns="" xmlns:a16="http://schemas.microsoft.com/office/drawing/2014/main" id="{E3B03180-C27E-431F-BEBC-680426BAA8E2}"/>
+                <a16:creationId xmlns:a16="http://schemas.microsoft.com/office/drawing/2014/main" xmlns="" id="{E3B03180-C27E-431F-BEBC-680426BAA8E2}"/>
               </a:ext>
             </a:extLst>
           </p:cNvPr>
@@ -2420,7 +2423,7 @@
           <p:cNvPr id="7" name="Espace réservé du numéro de diapositive 6">
             <a:extLst>
               <a:ext uri="{FF2B5EF4-FFF2-40B4-BE49-F238E27FC236}">
-                <a16:creationId xmlns="" xmlns:a16="http://schemas.microsoft.com/office/drawing/2014/main" id="{119BF64B-D6B7-43D8-AD53-41FA1A99CF8F}"/>
+                <a16:creationId xmlns:a16="http://schemas.microsoft.com/office/drawing/2014/main" xmlns="" id="{119BF64B-D6B7-43D8-AD53-41FA1A99CF8F}"/>
               </a:ext>
             </a:extLst>
           </p:cNvPr>
@@ -2479,7 +2482,7 @@
           <p:cNvPr id="2" name="Titre 1">
             <a:extLst>
               <a:ext uri="{FF2B5EF4-FFF2-40B4-BE49-F238E27FC236}">
-                <a16:creationId xmlns="" xmlns:a16="http://schemas.microsoft.com/office/drawing/2014/main" id="{B639A4A7-113C-47C2-B193-7919C908D438}"/>
+                <a16:creationId xmlns:a16="http://schemas.microsoft.com/office/drawing/2014/main" xmlns="" id="{B639A4A7-113C-47C2-B193-7919C908D438}"/>
               </a:ext>
             </a:extLst>
           </p:cNvPr>
@@ -2516,7 +2519,7 @@
           <p:cNvPr id="3" name="Espace réservé pour une image  2">
             <a:extLst>
               <a:ext uri="{FF2B5EF4-FFF2-40B4-BE49-F238E27FC236}">
-                <a16:creationId xmlns="" xmlns:a16="http://schemas.microsoft.com/office/drawing/2014/main" id="{9F5C0612-907B-408A-9C17-9DE811FA755B}"/>
+                <a16:creationId xmlns:a16="http://schemas.microsoft.com/office/drawing/2014/main" xmlns="" id="{9F5C0612-907B-408A-9C17-9DE811FA755B}"/>
               </a:ext>
             </a:extLst>
           </p:cNvPr>
@@ -2583,7 +2586,7 @@
           <p:cNvPr id="4" name="Espace réservé du texte 3">
             <a:extLst>
               <a:ext uri="{FF2B5EF4-FFF2-40B4-BE49-F238E27FC236}">
-                <a16:creationId xmlns="" xmlns:a16="http://schemas.microsoft.com/office/drawing/2014/main" id="{0BD526CD-56FC-4954-BF10-905F3C6FAC4D}"/>
+                <a16:creationId xmlns:a16="http://schemas.microsoft.com/office/drawing/2014/main" xmlns="" id="{0BD526CD-56FC-4954-BF10-905F3C6FAC4D}"/>
               </a:ext>
             </a:extLst>
           </p:cNvPr>
@@ -2654,7 +2657,7 @@
           <p:cNvPr id="5" name="Espace réservé de la date 4">
             <a:extLst>
               <a:ext uri="{FF2B5EF4-FFF2-40B4-BE49-F238E27FC236}">
-                <a16:creationId xmlns="" xmlns:a16="http://schemas.microsoft.com/office/drawing/2014/main" id="{10D3BAE4-5582-44F0-92AE-DC29BDCCAC51}"/>
+                <a16:creationId xmlns:a16="http://schemas.microsoft.com/office/drawing/2014/main" xmlns="" id="{10D3BAE4-5582-44F0-92AE-DC29BDCCAC51}"/>
               </a:ext>
             </a:extLst>
           </p:cNvPr>
@@ -2672,7 +2675,7 @@
           <a:p>
             <a:fld id="{A3F3EA1E-F417-43FF-B8E8-49A1DF7D9404}" type="datetimeFigureOut">
               <a:rPr lang="fr-FR" smtClean="0"/>
-              <a:t>19/01/2024</a:t>
+              <a:t>12/02/2024</a:t>
             </a:fld>
             <a:endParaRPr lang="fr-FR"/>
           </a:p>
@@ -2683,7 +2686,7 @@
           <p:cNvPr id="6" name="Espace réservé du pied de page 5">
             <a:extLst>
               <a:ext uri="{FF2B5EF4-FFF2-40B4-BE49-F238E27FC236}">
-                <a16:creationId xmlns="" xmlns:a16="http://schemas.microsoft.com/office/drawing/2014/main" id="{564C4BF9-637B-491A-BBD2-E4994A0E787D}"/>
+                <a16:creationId xmlns:a16="http://schemas.microsoft.com/office/drawing/2014/main" xmlns="" id="{564C4BF9-637B-491A-BBD2-E4994A0E787D}"/>
               </a:ext>
             </a:extLst>
           </p:cNvPr>
@@ -2708,7 +2711,7 @@
           <p:cNvPr id="7" name="Espace réservé du numéro de diapositive 6">
             <a:extLst>
               <a:ext uri="{FF2B5EF4-FFF2-40B4-BE49-F238E27FC236}">
-                <a16:creationId xmlns="" xmlns:a16="http://schemas.microsoft.com/office/drawing/2014/main" id="{5790D857-6670-41C6-A8EC-32E02572CF18}"/>
+                <a16:creationId xmlns:a16="http://schemas.microsoft.com/office/drawing/2014/main" xmlns="" id="{5790D857-6670-41C6-A8EC-32E02572CF18}"/>
               </a:ext>
             </a:extLst>
           </p:cNvPr>
@@ -2772,7 +2775,7 @@
           <p:cNvPr id="2" name="Espace réservé du titre 1">
             <a:extLst>
               <a:ext uri="{FF2B5EF4-FFF2-40B4-BE49-F238E27FC236}">
-                <a16:creationId xmlns="" xmlns:a16="http://schemas.microsoft.com/office/drawing/2014/main" id="{B604F847-0164-45C8-860F-2A145FFC21BD}"/>
+                <a16:creationId xmlns:a16="http://schemas.microsoft.com/office/drawing/2014/main" xmlns="" id="{B604F847-0164-45C8-860F-2A145FFC21BD}"/>
               </a:ext>
             </a:extLst>
           </p:cNvPr>
@@ -2810,7 +2813,7 @@
           <p:cNvPr id="3" name="Espace réservé du texte 2">
             <a:extLst>
               <a:ext uri="{FF2B5EF4-FFF2-40B4-BE49-F238E27FC236}">
-                <a16:creationId xmlns="" xmlns:a16="http://schemas.microsoft.com/office/drawing/2014/main" id="{72E10100-DAAF-4F5C-BCDE-9B7E60772DBF}"/>
+                <a16:creationId xmlns:a16="http://schemas.microsoft.com/office/drawing/2014/main" xmlns="" id="{72E10100-DAAF-4F5C-BCDE-9B7E60772DBF}"/>
               </a:ext>
             </a:extLst>
           </p:cNvPr>
@@ -2877,7 +2880,7 @@
           <p:cNvPr id="4" name="Espace réservé de la date 3">
             <a:extLst>
               <a:ext uri="{FF2B5EF4-FFF2-40B4-BE49-F238E27FC236}">
-                <a16:creationId xmlns="" xmlns:a16="http://schemas.microsoft.com/office/drawing/2014/main" id="{76445B1A-24DF-46A5-87E2-1AB7F6ACCB00}"/>
+                <a16:creationId xmlns:a16="http://schemas.microsoft.com/office/drawing/2014/main" xmlns="" id="{76445B1A-24DF-46A5-87E2-1AB7F6ACCB00}"/>
               </a:ext>
             </a:extLst>
           </p:cNvPr>
@@ -2913,7 +2916,7 @@
           <a:p>
             <a:fld id="{A3F3EA1E-F417-43FF-B8E8-49A1DF7D9404}" type="datetimeFigureOut">
               <a:rPr lang="fr-FR" smtClean="0"/>
-              <a:t>19/01/2024</a:t>
+              <a:t>12/02/2024</a:t>
             </a:fld>
             <a:endParaRPr lang="fr-FR"/>
           </a:p>
@@ -2924,7 +2927,7 @@
           <p:cNvPr id="5" name="Espace réservé du pied de page 4">
             <a:extLst>
               <a:ext uri="{FF2B5EF4-FFF2-40B4-BE49-F238E27FC236}">
-                <a16:creationId xmlns="" xmlns:a16="http://schemas.microsoft.com/office/drawing/2014/main" id="{1175BA30-7232-47E6-AD6D-7976338A1EBB}"/>
+                <a16:creationId xmlns:a16="http://schemas.microsoft.com/office/drawing/2014/main" xmlns="" id="{1175BA30-7232-47E6-AD6D-7976338A1EBB}"/>
               </a:ext>
             </a:extLst>
           </p:cNvPr>
@@ -2967,7 +2970,7 @@
           <p:cNvPr id="6" name="Espace réservé du numéro de diapositive 5">
             <a:extLst>
               <a:ext uri="{FF2B5EF4-FFF2-40B4-BE49-F238E27FC236}">
-                <a16:creationId xmlns="" xmlns:a16="http://schemas.microsoft.com/office/drawing/2014/main" id="{8A311C3D-88A7-44F9-9DAC-A496E4CFC6F6}"/>
+                <a16:creationId xmlns:a16="http://schemas.microsoft.com/office/drawing/2014/main" xmlns="" id="{8A311C3D-88A7-44F9-9DAC-A496E4CFC6F6}"/>
               </a:ext>
             </a:extLst>
           </p:cNvPr>
@@ -3335,7 +3338,7 @@
           <p:cNvPr id="13" name="Groupe 12">
             <a:extLst>
               <a:ext uri="{FF2B5EF4-FFF2-40B4-BE49-F238E27FC236}">
-                <a16:creationId xmlns="" xmlns:a16="http://schemas.microsoft.com/office/drawing/2014/main" id="{827E114A-CA12-4F8A-B0B1-01C82DE7CA85}"/>
+                <a16:creationId xmlns:a16="http://schemas.microsoft.com/office/drawing/2014/main" xmlns="" id="{827E114A-CA12-4F8A-B0B1-01C82DE7CA85}"/>
               </a:ext>
             </a:extLst>
           </p:cNvPr>
@@ -3355,7 +3358,7 @@
             <p:cNvPr id="14" name="Rectangle : coins arrondis 13">
               <a:extLst>
                 <a:ext uri="{FF2B5EF4-FFF2-40B4-BE49-F238E27FC236}">
-                  <a16:creationId xmlns="" xmlns:a16="http://schemas.microsoft.com/office/drawing/2014/main" id="{A723E91F-7EAA-4685-A383-FB2EE03AC664}"/>
+                  <a16:creationId xmlns:a16="http://schemas.microsoft.com/office/drawing/2014/main" xmlns="" id="{A723E91F-7EAA-4685-A383-FB2EE03AC664}"/>
                 </a:ext>
               </a:extLst>
             </p:cNvPr>
@@ -3403,7 +3406,7 @@
             <p:cNvPr id="15" name="Rectangle : coins arrondis 14">
               <a:extLst>
                 <a:ext uri="{FF2B5EF4-FFF2-40B4-BE49-F238E27FC236}">
-                  <a16:creationId xmlns="" xmlns:a16="http://schemas.microsoft.com/office/drawing/2014/main" id="{87914022-CAA4-4EB6-AF3E-6F0BAC854356}"/>
+                  <a16:creationId xmlns:a16="http://schemas.microsoft.com/office/drawing/2014/main" xmlns="" id="{87914022-CAA4-4EB6-AF3E-6F0BAC854356}"/>
                 </a:ext>
               </a:extLst>
             </p:cNvPr>
@@ -3451,7 +3454,7 @@
             <p:cNvPr id="16" name="Rectangle : coins arrondis 15">
               <a:extLst>
                 <a:ext uri="{FF2B5EF4-FFF2-40B4-BE49-F238E27FC236}">
-                  <a16:creationId xmlns="" xmlns:a16="http://schemas.microsoft.com/office/drawing/2014/main" id="{F2B1F130-F56A-400D-A4E7-3CF423731EEA}"/>
+                  <a16:creationId xmlns:a16="http://schemas.microsoft.com/office/drawing/2014/main" xmlns="" id="{F2B1F130-F56A-400D-A4E7-3CF423731EEA}"/>
                 </a:ext>
               </a:extLst>
             </p:cNvPr>
@@ -3499,7 +3502,7 @@
             <p:cNvPr id="17" name="Connecteur droit avec flèche 16">
               <a:extLst>
                 <a:ext uri="{FF2B5EF4-FFF2-40B4-BE49-F238E27FC236}">
-                  <a16:creationId xmlns="" xmlns:a16="http://schemas.microsoft.com/office/drawing/2014/main" id="{48A8673E-E9F9-4AF3-98F2-2E94E9436B56}"/>
+                  <a16:creationId xmlns:a16="http://schemas.microsoft.com/office/drawing/2014/main" xmlns="" id="{48A8673E-E9F9-4AF3-98F2-2E94E9436B56}"/>
                 </a:ext>
               </a:extLst>
             </p:cNvPr>
@@ -3541,7 +3544,7 @@
             <p:cNvPr id="18" name="Connecteur droit avec flèche 17">
               <a:extLst>
                 <a:ext uri="{FF2B5EF4-FFF2-40B4-BE49-F238E27FC236}">
-                  <a16:creationId xmlns="" xmlns:a16="http://schemas.microsoft.com/office/drawing/2014/main" id="{4160F5A6-250F-4302-894D-7353DD6ED7D6}"/>
+                  <a16:creationId xmlns:a16="http://schemas.microsoft.com/office/drawing/2014/main" xmlns="" id="{4160F5A6-250F-4302-894D-7353DD6ED7D6}"/>
                 </a:ext>
               </a:extLst>
             </p:cNvPr>
@@ -3583,7 +3586,7 @@
             <p:cNvPr id="19" name="Connecteur droit avec flèche 18">
               <a:extLst>
                 <a:ext uri="{FF2B5EF4-FFF2-40B4-BE49-F238E27FC236}">
-                  <a16:creationId xmlns="" xmlns:a16="http://schemas.microsoft.com/office/drawing/2014/main" id="{7CA01E04-77C0-492B-8D14-3C926080F8FB}"/>
+                  <a16:creationId xmlns:a16="http://schemas.microsoft.com/office/drawing/2014/main" xmlns="" id="{7CA01E04-77C0-492B-8D14-3C926080F8FB}"/>
                 </a:ext>
               </a:extLst>
             </p:cNvPr>
@@ -3625,7 +3628,7 @@
             <p:cNvPr id="20" name="ZoneTexte 19">
               <a:extLst>
                 <a:ext uri="{FF2B5EF4-FFF2-40B4-BE49-F238E27FC236}">
-                  <a16:creationId xmlns="" xmlns:a16="http://schemas.microsoft.com/office/drawing/2014/main" id="{B29F5B81-F0EF-4668-A1B2-D60EB8E20CD4}"/>
+                  <a16:creationId xmlns:a16="http://schemas.microsoft.com/office/drawing/2014/main" xmlns="" id="{B29F5B81-F0EF-4668-A1B2-D60EB8E20CD4}"/>
                 </a:ext>
               </a:extLst>
             </p:cNvPr>
@@ -3661,7 +3664,7 @@
             <p:cNvPr id="21" name="ZoneTexte 20">
               <a:extLst>
                 <a:ext uri="{FF2B5EF4-FFF2-40B4-BE49-F238E27FC236}">
-                  <a16:creationId xmlns="" xmlns:a16="http://schemas.microsoft.com/office/drawing/2014/main" id="{2F66D446-3266-40C3-99FB-9C5612C5C482}"/>
+                  <a16:creationId xmlns:a16="http://schemas.microsoft.com/office/drawing/2014/main" xmlns="" id="{2F66D446-3266-40C3-99FB-9C5612C5C482}"/>
                 </a:ext>
               </a:extLst>
             </p:cNvPr>
@@ -3697,7 +3700,7 @@
             <p:cNvPr id="22" name="ZoneTexte 21">
               <a:extLst>
                 <a:ext uri="{FF2B5EF4-FFF2-40B4-BE49-F238E27FC236}">
-                  <a16:creationId xmlns="" xmlns:a16="http://schemas.microsoft.com/office/drawing/2014/main" id="{7BFC5064-4DC3-4827-85B4-73AED4E6BE96}"/>
+                  <a16:creationId xmlns:a16="http://schemas.microsoft.com/office/drawing/2014/main" xmlns="" id="{7BFC5064-4DC3-4827-85B4-73AED4E6BE96}"/>
                 </a:ext>
               </a:extLst>
             </p:cNvPr>
@@ -3764,7 +3767,7 @@
           <p:cNvPr id="13" name="Groupe 12">
             <a:extLst>
               <a:ext uri="{FF2B5EF4-FFF2-40B4-BE49-F238E27FC236}">
-                <a16:creationId xmlns="" xmlns:a16="http://schemas.microsoft.com/office/drawing/2014/main" id="{827E114A-CA12-4F8A-B0B1-01C82DE7CA85}"/>
+                <a16:creationId xmlns:a16="http://schemas.microsoft.com/office/drawing/2014/main" xmlns="" id="{827E114A-CA12-4F8A-B0B1-01C82DE7CA85}"/>
               </a:ext>
             </a:extLst>
           </p:cNvPr>
@@ -3784,7 +3787,7 @@
             <p:cNvPr id="14" name="Rectangle : coins arrondis 13">
               <a:extLst>
                 <a:ext uri="{FF2B5EF4-FFF2-40B4-BE49-F238E27FC236}">
-                  <a16:creationId xmlns="" xmlns:a16="http://schemas.microsoft.com/office/drawing/2014/main" id="{A723E91F-7EAA-4685-A383-FB2EE03AC664}"/>
+                  <a16:creationId xmlns:a16="http://schemas.microsoft.com/office/drawing/2014/main" xmlns="" id="{A723E91F-7EAA-4685-A383-FB2EE03AC664}"/>
                 </a:ext>
               </a:extLst>
             </p:cNvPr>
@@ -3832,7 +3835,7 @@
             <p:cNvPr id="15" name="Rectangle : coins arrondis 14">
               <a:extLst>
                 <a:ext uri="{FF2B5EF4-FFF2-40B4-BE49-F238E27FC236}">
-                  <a16:creationId xmlns="" xmlns:a16="http://schemas.microsoft.com/office/drawing/2014/main" id="{87914022-CAA4-4EB6-AF3E-6F0BAC854356}"/>
+                  <a16:creationId xmlns:a16="http://schemas.microsoft.com/office/drawing/2014/main" xmlns="" id="{87914022-CAA4-4EB6-AF3E-6F0BAC854356}"/>
                 </a:ext>
               </a:extLst>
             </p:cNvPr>
@@ -3880,7 +3883,7 @@
             <p:cNvPr id="17" name="Connecteur droit avec flèche 16">
               <a:extLst>
                 <a:ext uri="{FF2B5EF4-FFF2-40B4-BE49-F238E27FC236}">
-                  <a16:creationId xmlns="" xmlns:a16="http://schemas.microsoft.com/office/drawing/2014/main" id="{48A8673E-E9F9-4AF3-98F2-2E94E9436B56}"/>
+                  <a16:creationId xmlns:a16="http://schemas.microsoft.com/office/drawing/2014/main" xmlns="" id="{48A8673E-E9F9-4AF3-98F2-2E94E9436B56}"/>
                 </a:ext>
               </a:extLst>
             </p:cNvPr>
@@ -3922,7 +3925,7 @@
             <p:cNvPr id="18" name="Connecteur droit avec flèche 17">
               <a:extLst>
                 <a:ext uri="{FF2B5EF4-FFF2-40B4-BE49-F238E27FC236}">
-                  <a16:creationId xmlns="" xmlns:a16="http://schemas.microsoft.com/office/drawing/2014/main" id="{4160F5A6-250F-4302-894D-7353DD6ED7D6}"/>
+                  <a16:creationId xmlns:a16="http://schemas.microsoft.com/office/drawing/2014/main" xmlns="" id="{4160F5A6-250F-4302-894D-7353DD6ED7D6}"/>
                 </a:ext>
               </a:extLst>
             </p:cNvPr>
@@ -3964,7 +3967,7 @@
             <p:cNvPr id="20" name="ZoneTexte 19">
               <a:extLst>
                 <a:ext uri="{FF2B5EF4-FFF2-40B4-BE49-F238E27FC236}">
-                  <a16:creationId xmlns="" xmlns:a16="http://schemas.microsoft.com/office/drawing/2014/main" id="{B29F5B81-F0EF-4668-A1B2-D60EB8E20CD4}"/>
+                  <a16:creationId xmlns:a16="http://schemas.microsoft.com/office/drawing/2014/main" xmlns="" id="{B29F5B81-F0EF-4668-A1B2-D60EB8E20CD4}"/>
                 </a:ext>
               </a:extLst>
             </p:cNvPr>
@@ -4004,7 +4007,7 @@
             <p:cNvPr id="21" name="ZoneTexte 20">
               <a:extLst>
                 <a:ext uri="{FF2B5EF4-FFF2-40B4-BE49-F238E27FC236}">
-                  <a16:creationId xmlns="" xmlns:a16="http://schemas.microsoft.com/office/drawing/2014/main" id="{2F66D446-3266-40C3-99FB-9C5612C5C482}"/>
+                  <a16:creationId xmlns:a16="http://schemas.microsoft.com/office/drawing/2014/main" xmlns="" id="{2F66D446-3266-40C3-99FB-9C5612C5C482}"/>
                 </a:ext>
               </a:extLst>
             </p:cNvPr>
@@ -4071,7 +4074,7 @@
           <p:cNvPr id="13" name="Groupe 12">
             <a:extLst>
               <a:ext uri="{FF2B5EF4-FFF2-40B4-BE49-F238E27FC236}">
-                <a16:creationId xmlns="" xmlns:a16="http://schemas.microsoft.com/office/drawing/2014/main" id="{827E114A-CA12-4F8A-B0B1-01C82DE7CA85}"/>
+                <a16:creationId xmlns:a16="http://schemas.microsoft.com/office/drawing/2014/main" xmlns="" id="{827E114A-CA12-4F8A-B0B1-01C82DE7CA85}"/>
               </a:ext>
             </a:extLst>
           </p:cNvPr>
@@ -4081,9 +4084,9 @@
         <p:grpSpPr>
           <a:xfrm>
             <a:off x="4152313" y="2361028"/>
-            <a:ext cx="4813052" cy="1458383"/>
+            <a:ext cx="5200797" cy="1458383"/>
             <a:chOff x="4152313" y="2361028"/>
-            <a:chExt cx="4813052" cy="1458383"/>
+            <a:chExt cx="5200797" cy="1458383"/>
           </a:xfrm>
         </p:grpSpPr>
         <p:sp>
@@ -4091,7 +4094,7 @@
             <p:cNvPr id="14" name="Rectangle : coins arrondis 13">
               <a:extLst>
                 <a:ext uri="{FF2B5EF4-FFF2-40B4-BE49-F238E27FC236}">
-                  <a16:creationId xmlns="" xmlns:a16="http://schemas.microsoft.com/office/drawing/2014/main" id="{A723E91F-7EAA-4685-A383-FB2EE03AC664}"/>
+                  <a16:creationId xmlns:a16="http://schemas.microsoft.com/office/drawing/2014/main" xmlns="" id="{A723E91F-7EAA-4685-A383-FB2EE03AC664}"/>
                 </a:ext>
               </a:extLst>
             </p:cNvPr>
@@ -4139,7 +4142,7 @@
             <p:cNvPr id="15" name="Rectangle : coins arrondis 14">
               <a:extLst>
                 <a:ext uri="{FF2B5EF4-FFF2-40B4-BE49-F238E27FC236}">
-                  <a16:creationId xmlns="" xmlns:a16="http://schemas.microsoft.com/office/drawing/2014/main" id="{87914022-CAA4-4EB6-AF3E-6F0BAC854356}"/>
+                  <a16:creationId xmlns:a16="http://schemas.microsoft.com/office/drawing/2014/main" xmlns="" id="{87914022-CAA4-4EB6-AF3E-6F0BAC854356}"/>
                 </a:ext>
               </a:extLst>
             </p:cNvPr>
@@ -4187,7 +4190,7 @@
             <p:cNvPr id="17" name="Connecteur droit avec flèche 16">
               <a:extLst>
                 <a:ext uri="{FF2B5EF4-FFF2-40B4-BE49-F238E27FC236}">
-                  <a16:creationId xmlns="" xmlns:a16="http://schemas.microsoft.com/office/drawing/2014/main" id="{48A8673E-E9F9-4AF3-98F2-2E94E9436B56}"/>
+                  <a16:creationId xmlns:a16="http://schemas.microsoft.com/office/drawing/2014/main" xmlns="" id="{48A8673E-E9F9-4AF3-98F2-2E94E9436B56}"/>
                 </a:ext>
               </a:extLst>
             </p:cNvPr>
@@ -4229,7 +4232,7 @@
             <p:cNvPr id="18" name="Connecteur droit avec flèche 17">
               <a:extLst>
                 <a:ext uri="{FF2B5EF4-FFF2-40B4-BE49-F238E27FC236}">
-                  <a16:creationId xmlns="" xmlns:a16="http://schemas.microsoft.com/office/drawing/2014/main" id="{4160F5A6-250F-4302-894D-7353DD6ED7D6}"/>
+                  <a16:creationId xmlns:a16="http://schemas.microsoft.com/office/drawing/2014/main" xmlns="" id="{4160F5A6-250F-4302-894D-7353DD6ED7D6}"/>
                 </a:ext>
               </a:extLst>
             </p:cNvPr>
@@ -4271,7 +4274,318 @@
             <p:cNvPr id="20" name="ZoneTexte 19">
               <a:extLst>
                 <a:ext uri="{FF2B5EF4-FFF2-40B4-BE49-F238E27FC236}">
-                  <a16:creationId xmlns="" xmlns:a16="http://schemas.microsoft.com/office/drawing/2014/main" id="{B29F5B81-F0EF-4668-A1B2-D60EB8E20CD4}"/>
+                  <a16:creationId xmlns:a16="http://schemas.microsoft.com/office/drawing/2014/main" xmlns="" id="{B29F5B81-F0EF-4668-A1B2-D60EB8E20CD4}"/>
+                </a:ext>
+              </a:extLst>
+            </p:cNvPr>
+            <p:cNvSpPr txBox="1"/>
+            <p:nvPr/>
+          </p:nvSpPr>
+          <p:spPr>
+            <a:xfrm>
+              <a:off x="5857463" y="2446106"/>
+              <a:ext cx="2659190" cy="400110"/>
+            </a:xfrm>
+            <a:prstGeom prst="rect">
+              <a:avLst/>
+            </a:prstGeom>
+            <a:noFill/>
+          </p:spPr>
+          <p:txBody>
+            <a:bodyPr wrap="none" rtlCol="0">
+              <a:spAutoFit/>
+            </a:bodyPr>
+            <a:lstStyle/>
+            <a:p>
+              <a:r>
+                <a:rPr lang="fr-FR" sz="2000" dirty="0" smtClean="0"/>
+                <a:t>AVANCER pour agresser</a:t>
+              </a:r>
+              <a:endParaRPr lang="fr-FR" sz="2000" dirty="0"/>
+            </a:p>
+          </p:txBody>
+        </p:sp>
+        <p:sp>
+          <p:nvSpPr>
+            <p:cNvPr id="21" name="ZoneTexte 20">
+              <a:extLst>
+                <a:ext uri="{FF2B5EF4-FFF2-40B4-BE49-F238E27FC236}">
+                  <a16:creationId xmlns:a16="http://schemas.microsoft.com/office/drawing/2014/main" xmlns="" id="{2F66D446-3266-40C3-99FB-9C5612C5C482}"/>
+                </a:ext>
+              </a:extLst>
+            </p:cNvPr>
+            <p:cNvSpPr txBox="1"/>
+            <p:nvPr/>
+          </p:nvSpPr>
+          <p:spPr>
+            <a:xfrm>
+              <a:off x="6096000" y="3198166"/>
+              <a:ext cx="3257110" cy="400110"/>
+            </a:xfrm>
+            <a:prstGeom prst="rect">
+              <a:avLst/>
+            </a:prstGeom>
+            <a:noFill/>
+          </p:spPr>
+          <p:txBody>
+            <a:bodyPr wrap="none" rtlCol="0">
+              <a:spAutoFit/>
+            </a:bodyPr>
+            <a:lstStyle/>
+            <a:p>
+              <a:r>
+                <a:rPr lang="fr-FR" sz="2000" dirty="0" smtClean="0"/>
+                <a:t>DEPART </a:t>
+              </a:r>
+              <a:r>
+                <a:rPr lang="fr-FR" sz="2000" dirty="0" smtClean="0"/>
+                <a:t>et </a:t>
+              </a:r>
+              <a:r>
+                <a:rPr lang="fr-FR" sz="2000" dirty="0" smtClean="0"/>
+                <a:t>RESTER IMMOBILE</a:t>
+              </a:r>
+              <a:endParaRPr lang="fr-FR" sz="2000" dirty="0"/>
+            </a:p>
+          </p:txBody>
+        </p:sp>
+      </p:grpSp>
+    </p:spTree>
+    <p:extLst>
+      <p:ext uri="{BB962C8B-B14F-4D97-AF65-F5344CB8AC3E}">
+        <p14:creationId xmlns:p14="http://schemas.microsoft.com/office/powerpoint/2010/main" val="2026906501"/>
+      </p:ext>
+    </p:extLst>
+  </p:cSld>
+  <p:clrMapOvr>
+    <a:masterClrMapping/>
+  </p:clrMapOvr>
+</p:sld>
+</file>
+
+<file path=ppt/slides/slide4.xml><?xml version="1.0" encoding="utf-8"?>
+<p:sld xmlns:a="http://schemas.openxmlformats.org/drawingml/2006/main" xmlns:r="http://schemas.openxmlformats.org/officeDocument/2006/relationships" xmlns:p="http://schemas.openxmlformats.org/presentationml/2006/main">
+  <p:cSld>
+    <p:spTree>
+      <p:nvGrpSpPr>
+        <p:cNvPr id="1" name=""/>
+        <p:cNvGrpSpPr/>
+        <p:nvPr/>
+      </p:nvGrpSpPr>
+      <p:grpSpPr>
+        <a:xfrm>
+          <a:off x="0" y="0"/>
+          <a:ext cx="0" cy="0"/>
+          <a:chOff x="0" y="0"/>
+          <a:chExt cx="0" cy="0"/>
+        </a:xfrm>
+      </p:grpSpPr>
+      <p:grpSp>
+        <p:nvGrpSpPr>
+          <p:cNvPr id="13" name="Groupe 12">
+            <a:extLst>
+              <a:ext uri="{FF2B5EF4-FFF2-40B4-BE49-F238E27FC236}">
+                <a16:creationId xmlns:a16="http://schemas.microsoft.com/office/drawing/2014/main" xmlns="" id="{827E114A-CA12-4F8A-B0B1-01C82DE7CA85}"/>
+              </a:ext>
+            </a:extLst>
+          </p:cNvPr>
+          <p:cNvGrpSpPr/>
+          <p:nvPr/>
+        </p:nvGrpSpPr>
+        <p:grpSpPr>
+          <a:xfrm>
+            <a:off x="4152313" y="2361028"/>
+            <a:ext cx="4813052" cy="1458383"/>
+            <a:chOff x="4152313" y="2361028"/>
+            <a:chExt cx="4813052" cy="1458383"/>
+          </a:xfrm>
+        </p:grpSpPr>
+        <p:sp>
+          <p:nvSpPr>
+            <p:cNvPr id="14" name="Rectangle : coins arrondis 13">
+              <a:extLst>
+                <a:ext uri="{FF2B5EF4-FFF2-40B4-BE49-F238E27FC236}">
+                  <a16:creationId xmlns:a16="http://schemas.microsoft.com/office/drawing/2014/main" xmlns="" id="{A723E91F-7EAA-4685-A383-FB2EE03AC664}"/>
+                </a:ext>
+              </a:extLst>
+            </p:cNvPr>
+            <p:cNvSpPr/>
+            <p:nvPr/>
+          </p:nvSpPr>
+          <p:spPr>
+            <a:xfrm>
+              <a:off x="4152313" y="2361028"/>
+              <a:ext cx="661181" cy="661181"/>
+            </a:xfrm>
+            <a:prstGeom prst="roundRect">
+              <a:avLst/>
+            </a:prstGeom>
+            <a:ln w="38100"/>
+          </p:spPr>
+          <p:style>
+            <a:lnRef idx="2">
+              <a:schemeClr val="dk1"/>
+            </a:lnRef>
+            <a:fillRef idx="1">
+              <a:schemeClr val="lt1"/>
+            </a:fillRef>
+            <a:effectRef idx="0">
+              <a:schemeClr val="dk1"/>
+            </a:effectRef>
+            <a:fontRef idx="minor">
+              <a:schemeClr val="dk1"/>
+            </a:fontRef>
+          </p:style>
+          <p:txBody>
+            <a:bodyPr rtlCol="0" anchor="ctr"/>
+            <a:lstStyle/>
+            <a:p>
+              <a:pPr algn="ctr"/>
+              <a:r>
+                <a:rPr lang="fr-FR" sz="2400" dirty="0"/>
+                <a:t>E</a:t>
+              </a:r>
+            </a:p>
+          </p:txBody>
+        </p:sp>
+        <p:sp>
+          <p:nvSpPr>
+            <p:cNvPr id="15" name="Rectangle : coins arrondis 14">
+              <a:extLst>
+                <a:ext uri="{FF2B5EF4-FFF2-40B4-BE49-F238E27FC236}">
+                  <a16:creationId xmlns:a16="http://schemas.microsoft.com/office/drawing/2014/main" xmlns="" id="{87914022-CAA4-4EB6-AF3E-6F0BAC854356}"/>
+                </a:ext>
+              </a:extLst>
+            </p:cNvPr>
+            <p:cNvSpPr/>
+            <p:nvPr/>
+          </p:nvSpPr>
+          <p:spPr>
+            <a:xfrm>
+              <a:off x="4424308" y="3158230"/>
+              <a:ext cx="661181" cy="661181"/>
+            </a:xfrm>
+            <a:prstGeom prst="roundRect">
+              <a:avLst/>
+            </a:prstGeom>
+            <a:ln w="38100"/>
+          </p:spPr>
+          <p:style>
+            <a:lnRef idx="2">
+              <a:schemeClr val="dk1"/>
+            </a:lnRef>
+            <a:fillRef idx="1">
+              <a:schemeClr val="lt1"/>
+            </a:fillRef>
+            <a:effectRef idx="0">
+              <a:schemeClr val="dk1"/>
+            </a:effectRef>
+            <a:fontRef idx="minor">
+              <a:schemeClr val="dk1"/>
+            </a:fontRef>
+          </p:style>
+          <p:txBody>
+            <a:bodyPr rtlCol="0" anchor="ctr"/>
+            <a:lstStyle/>
+            <a:p>
+              <a:pPr algn="ctr"/>
+              <a:r>
+                <a:rPr lang="fr-FR" sz="2400" dirty="0"/>
+                <a:t>D</a:t>
+              </a:r>
+            </a:p>
+          </p:txBody>
+        </p:sp>
+        <p:cxnSp>
+          <p:nvCxnSpPr>
+            <p:cNvPr id="17" name="Connecteur droit avec flèche 16">
+              <a:extLst>
+                <a:ext uri="{FF2B5EF4-FFF2-40B4-BE49-F238E27FC236}">
+                  <a16:creationId xmlns:a16="http://schemas.microsoft.com/office/drawing/2014/main" xmlns="" id="{48A8673E-E9F9-4AF3-98F2-2E94E9436B56}"/>
+                </a:ext>
+              </a:extLst>
+            </p:cNvPr>
+            <p:cNvCxnSpPr/>
+            <p:nvPr/>
+          </p:nvCxnSpPr>
+          <p:spPr>
+            <a:xfrm flipH="1">
+              <a:off x="4989520" y="2676939"/>
+              <a:ext cx="853118" cy="0"/>
+            </a:xfrm>
+            <a:prstGeom prst="straightConnector1">
+              <a:avLst/>
+            </a:prstGeom>
+            <a:ln w="28575">
+              <a:solidFill>
+                <a:schemeClr val="tx1"/>
+              </a:solidFill>
+              <a:tailEnd type="triangle"/>
+            </a:ln>
+          </p:spPr>
+          <p:style>
+            <a:lnRef idx="1">
+              <a:schemeClr val="accent1"/>
+            </a:lnRef>
+            <a:fillRef idx="0">
+              <a:schemeClr val="accent1"/>
+            </a:fillRef>
+            <a:effectRef idx="0">
+              <a:schemeClr val="accent1"/>
+            </a:effectRef>
+            <a:fontRef idx="minor">
+              <a:schemeClr val="tx1"/>
+            </a:fontRef>
+          </p:style>
+        </p:cxnSp>
+        <p:cxnSp>
+          <p:nvCxnSpPr>
+            <p:cNvPr id="18" name="Connecteur droit avec flèche 17">
+              <a:extLst>
+                <a:ext uri="{FF2B5EF4-FFF2-40B4-BE49-F238E27FC236}">
+                  <a16:creationId xmlns:a16="http://schemas.microsoft.com/office/drawing/2014/main" xmlns="" id="{4160F5A6-250F-4302-894D-7353DD6ED7D6}"/>
+                </a:ext>
+              </a:extLst>
+            </p:cNvPr>
+            <p:cNvCxnSpPr/>
+            <p:nvPr/>
+          </p:nvCxnSpPr>
+          <p:spPr>
+            <a:xfrm flipH="1">
+              <a:off x="5242882" y="3428999"/>
+              <a:ext cx="853118" cy="0"/>
+            </a:xfrm>
+            <a:prstGeom prst="straightConnector1">
+              <a:avLst/>
+            </a:prstGeom>
+            <a:ln w="28575">
+              <a:solidFill>
+                <a:schemeClr val="tx1"/>
+              </a:solidFill>
+              <a:tailEnd type="triangle"/>
+            </a:ln>
+          </p:spPr>
+          <p:style>
+            <a:lnRef idx="1">
+              <a:schemeClr val="accent1"/>
+            </a:lnRef>
+            <a:fillRef idx="0">
+              <a:schemeClr val="accent1"/>
+            </a:fillRef>
+            <a:effectRef idx="0">
+              <a:schemeClr val="accent1"/>
+            </a:effectRef>
+            <a:fontRef idx="minor">
+              <a:schemeClr val="tx1"/>
+            </a:fontRef>
+          </p:style>
+        </p:cxnSp>
+        <p:sp>
+          <p:nvSpPr>
+            <p:cNvPr id="20" name="ZoneTexte 19">
+              <a:extLst>
+                <a:ext uri="{FF2B5EF4-FFF2-40B4-BE49-F238E27FC236}">
+                  <a16:creationId xmlns:a16="http://schemas.microsoft.com/office/drawing/2014/main" xmlns="" id="{B29F5B81-F0EF-4668-A1B2-D60EB8E20CD4}"/>
                 </a:ext>
               </a:extLst>
             </p:cNvPr>
@@ -4311,7 +4625,7 @@
             <p:cNvPr id="21" name="ZoneTexte 20">
               <a:extLst>
                 <a:ext uri="{FF2B5EF4-FFF2-40B4-BE49-F238E27FC236}">
-                  <a16:creationId xmlns="" xmlns:a16="http://schemas.microsoft.com/office/drawing/2014/main" id="{2F66D446-3266-40C3-99FB-9C5612C5C482}"/>
+                  <a16:creationId xmlns:a16="http://schemas.microsoft.com/office/drawing/2014/main" xmlns="" id="{2F66D446-3266-40C3-99FB-9C5612C5C482}"/>
                 </a:ext>
               </a:extLst>
             </p:cNvPr>
@@ -4356,7 +4670,7 @@
 </p:sld>
 </file>
 
-<file path=ppt/slides/slide4.xml><?xml version="1.0" encoding="utf-8"?>
+<file path=ppt/slides/slide5.xml><?xml version="1.0" encoding="utf-8"?>
 <p:sld xmlns:a="http://schemas.openxmlformats.org/drawingml/2006/main" xmlns:r="http://schemas.openxmlformats.org/officeDocument/2006/relationships" xmlns:p="http://schemas.openxmlformats.org/presentationml/2006/main">
   <p:cSld>
     <p:spTree>
@@ -4378,7 +4692,310 @@
           <p:cNvPr id="13" name="Groupe 12">
             <a:extLst>
               <a:ext uri="{FF2B5EF4-FFF2-40B4-BE49-F238E27FC236}">
-                <a16:creationId xmlns="" xmlns:a16="http://schemas.microsoft.com/office/drawing/2014/main" id="{827E114A-CA12-4F8A-B0B1-01C82DE7CA85}"/>
+                <a16:creationId xmlns:a16="http://schemas.microsoft.com/office/drawing/2014/main" xmlns="" id="{827E114A-CA12-4F8A-B0B1-01C82DE7CA85}"/>
+              </a:ext>
+            </a:extLst>
+          </p:cNvPr>
+          <p:cNvGrpSpPr/>
+          <p:nvPr/>
+        </p:nvGrpSpPr>
+        <p:grpSpPr>
+          <a:xfrm>
+            <a:off x="4152313" y="2361028"/>
+            <a:ext cx="5200797" cy="1458383"/>
+            <a:chOff x="4152313" y="2361028"/>
+            <a:chExt cx="5200797" cy="1458383"/>
+          </a:xfrm>
+        </p:grpSpPr>
+        <p:sp>
+          <p:nvSpPr>
+            <p:cNvPr id="14" name="Rectangle : coins arrondis 13">
+              <a:extLst>
+                <a:ext uri="{FF2B5EF4-FFF2-40B4-BE49-F238E27FC236}">
+                  <a16:creationId xmlns:a16="http://schemas.microsoft.com/office/drawing/2014/main" xmlns="" id="{A723E91F-7EAA-4685-A383-FB2EE03AC664}"/>
+                </a:ext>
+              </a:extLst>
+            </p:cNvPr>
+            <p:cNvSpPr/>
+            <p:nvPr/>
+          </p:nvSpPr>
+          <p:spPr>
+            <a:xfrm>
+              <a:off x="4152313" y="2361028"/>
+              <a:ext cx="661181" cy="661181"/>
+            </a:xfrm>
+            <a:prstGeom prst="roundRect">
+              <a:avLst/>
+            </a:prstGeom>
+            <a:ln w="38100"/>
+          </p:spPr>
+          <p:style>
+            <a:lnRef idx="2">
+              <a:schemeClr val="dk1"/>
+            </a:lnRef>
+            <a:fillRef idx="1">
+              <a:schemeClr val="lt1"/>
+            </a:fillRef>
+            <a:effectRef idx="0">
+              <a:schemeClr val="dk1"/>
+            </a:effectRef>
+            <a:fontRef idx="minor">
+              <a:schemeClr val="dk1"/>
+            </a:fontRef>
+          </p:style>
+          <p:txBody>
+            <a:bodyPr rtlCol="0" anchor="ctr"/>
+            <a:lstStyle/>
+            <a:p>
+              <a:pPr algn="ctr"/>
+              <a:r>
+                <a:rPr lang="fr-FR" sz="2400" dirty="0"/>
+                <a:t>E</a:t>
+              </a:r>
+            </a:p>
+          </p:txBody>
+        </p:sp>
+        <p:sp>
+          <p:nvSpPr>
+            <p:cNvPr id="15" name="Rectangle : coins arrondis 14">
+              <a:extLst>
+                <a:ext uri="{FF2B5EF4-FFF2-40B4-BE49-F238E27FC236}">
+                  <a16:creationId xmlns:a16="http://schemas.microsoft.com/office/drawing/2014/main" xmlns="" id="{87914022-CAA4-4EB6-AF3E-6F0BAC854356}"/>
+                </a:ext>
+              </a:extLst>
+            </p:cNvPr>
+            <p:cNvSpPr/>
+            <p:nvPr/>
+          </p:nvSpPr>
+          <p:spPr>
+            <a:xfrm>
+              <a:off x="4424308" y="3158230"/>
+              <a:ext cx="661181" cy="661181"/>
+            </a:xfrm>
+            <a:prstGeom prst="roundRect">
+              <a:avLst/>
+            </a:prstGeom>
+            <a:ln w="38100"/>
+          </p:spPr>
+          <p:style>
+            <a:lnRef idx="2">
+              <a:schemeClr val="dk1"/>
+            </a:lnRef>
+            <a:fillRef idx="1">
+              <a:schemeClr val="lt1"/>
+            </a:fillRef>
+            <a:effectRef idx="0">
+              <a:schemeClr val="dk1"/>
+            </a:effectRef>
+            <a:fontRef idx="minor">
+              <a:schemeClr val="dk1"/>
+            </a:fontRef>
+          </p:style>
+          <p:txBody>
+            <a:bodyPr rtlCol="0" anchor="ctr"/>
+            <a:lstStyle/>
+            <a:p>
+              <a:pPr algn="ctr"/>
+              <a:r>
+                <a:rPr lang="fr-FR" sz="2400" dirty="0"/>
+                <a:t>D</a:t>
+              </a:r>
+            </a:p>
+          </p:txBody>
+        </p:sp>
+        <p:cxnSp>
+          <p:nvCxnSpPr>
+            <p:cNvPr id="17" name="Connecteur droit avec flèche 16">
+              <a:extLst>
+                <a:ext uri="{FF2B5EF4-FFF2-40B4-BE49-F238E27FC236}">
+                  <a16:creationId xmlns:a16="http://schemas.microsoft.com/office/drawing/2014/main" xmlns="" id="{48A8673E-E9F9-4AF3-98F2-2E94E9436B56}"/>
+                </a:ext>
+              </a:extLst>
+            </p:cNvPr>
+            <p:cNvCxnSpPr/>
+            <p:nvPr/>
+          </p:nvCxnSpPr>
+          <p:spPr>
+            <a:xfrm flipH="1">
+              <a:off x="4989520" y="2676939"/>
+              <a:ext cx="853118" cy="0"/>
+            </a:xfrm>
+            <a:prstGeom prst="straightConnector1">
+              <a:avLst/>
+            </a:prstGeom>
+            <a:ln w="28575">
+              <a:solidFill>
+                <a:schemeClr val="tx1"/>
+              </a:solidFill>
+              <a:tailEnd type="triangle"/>
+            </a:ln>
+          </p:spPr>
+          <p:style>
+            <a:lnRef idx="1">
+              <a:schemeClr val="accent1"/>
+            </a:lnRef>
+            <a:fillRef idx="0">
+              <a:schemeClr val="accent1"/>
+            </a:fillRef>
+            <a:effectRef idx="0">
+              <a:schemeClr val="accent1"/>
+            </a:effectRef>
+            <a:fontRef idx="minor">
+              <a:schemeClr val="tx1"/>
+            </a:fontRef>
+          </p:style>
+        </p:cxnSp>
+        <p:cxnSp>
+          <p:nvCxnSpPr>
+            <p:cNvPr id="18" name="Connecteur droit avec flèche 17">
+              <a:extLst>
+                <a:ext uri="{FF2B5EF4-FFF2-40B4-BE49-F238E27FC236}">
+                  <a16:creationId xmlns:a16="http://schemas.microsoft.com/office/drawing/2014/main" xmlns="" id="{4160F5A6-250F-4302-894D-7353DD6ED7D6}"/>
+                </a:ext>
+              </a:extLst>
+            </p:cNvPr>
+            <p:cNvCxnSpPr/>
+            <p:nvPr/>
+          </p:nvCxnSpPr>
+          <p:spPr>
+            <a:xfrm flipH="1">
+              <a:off x="5242882" y="3428999"/>
+              <a:ext cx="853118" cy="0"/>
+            </a:xfrm>
+            <a:prstGeom prst="straightConnector1">
+              <a:avLst/>
+            </a:prstGeom>
+            <a:ln w="28575">
+              <a:solidFill>
+                <a:schemeClr val="tx1"/>
+              </a:solidFill>
+              <a:tailEnd type="triangle"/>
+            </a:ln>
+          </p:spPr>
+          <p:style>
+            <a:lnRef idx="1">
+              <a:schemeClr val="accent1"/>
+            </a:lnRef>
+            <a:fillRef idx="0">
+              <a:schemeClr val="accent1"/>
+            </a:fillRef>
+            <a:effectRef idx="0">
+              <a:schemeClr val="accent1"/>
+            </a:effectRef>
+            <a:fontRef idx="minor">
+              <a:schemeClr val="tx1"/>
+            </a:fontRef>
+          </p:style>
+        </p:cxnSp>
+        <p:sp>
+          <p:nvSpPr>
+            <p:cNvPr id="20" name="ZoneTexte 19">
+              <a:extLst>
+                <a:ext uri="{FF2B5EF4-FFF2-40B4-BE49-F238E27FC236}">
+                  <a16:creationId xmlns:a16="http://schemas.microsoft.com/office/drawing/2014/main" xmlns="" id="{B29F5B81-F0EF-4668-A1B2-D60EB8E20CD4}"/>
+                </a:ext>
+              </a:extLst>
+            </p:cNvPr>
+            <p:cNvSpPr txBox="1"/>
+            <p:nvPr/>
+          </p:nvSpPr>
+          <p:spPr>
+            <a:xfrm>
+              <a:off x="5857463" y="2446106"/>
+              <a:ext cx="2600392" cy="400110"/>
+            </a:xfrm>
+            <a:prstGeom prst="rect">
+              <a:avLst/>
+            </a:prstGeom>
+            <a:noFill/>
+          </p:spPr>
+          <p:txBody>
+            <a:bodyPr wrap="none" rtlCol="0">
+              <a:spAutoFit/>
+            </a:bodyPr>
+            <a:lstStyle/>
+            <a:p>
+              <a:r>
+                <a:rPr lang="fr-FR" sz="2000" dirty="0" smtClean="0"/>
+                <a:t>AVANCER pour s’affilier</a:t>
+              </a:r>
+              <a:endParaRPr lang="fr-FR" sz="2000" dirty="0"/>
+            </a:p>
+          </p:txBody>
+        </p:sp>
+        <p:sp>
+          <p:nvSpPr>
+            <p:cNvPr id="21" name="ZoneTexte 20">
+              <a:extLst>
+                <a:ext uri="{FF2B5EF4-FFF2-40B4-BE49-F238E27FC236}">
+                  <a16:creationId xmlns:a16="http://schemas.microsoft.com/office/drawing/2014/main" xmlns="" id="{2F66D446-3266-40C3-99FB-9C5612C5C482}"/>
+                </a:ext>
+              </a:extLst>
+            </p:cNvPr>
+            <p:cNvSpPr txBox="1"/>
+            <p:nvPr/>
+          </p:nvSpPr>
+          <p:spPr>
+            <a:xfrm>
+              <a:off x="6096000" y="3198166"/>
+              <a:ext cx="3257110" cy="400110"/>
+            </a:xfrm>
+            <a:prstGeom prst="rect">
+              <a:avLst/>
+            </a:prstGeom>
+            <a:noFill/>
+          </p:spPr>
+          <p:txBody>
+            <a:bodyPr wrap="none" rtlCol="0">
+              <a:spAutoFit/>
+            </a:bodyPr>
+            <a:lstStyle/>
+            <a:p>
+              <a:r>
+                <a:rPr lang="fr-FR" sz="2000" dirty="0"/>
+                <a:t>DEPART et RESTER IMMOBILE</a:t>
+              </a:r>
+              <a:endParaRPr lang="fr-FR" sz="2000" dirty="0"/>
+            </a:p>
+          </p:txBody>
+        </p:sp>
+      </p:grpSp>
+    </p:spTree>
+    <p:extLst>
+      <p:ext uri="{BB962C8B-B14F-4D97-AF65-F5344CB8AC3E}">
+        <p14:creationId xmlns:p14="http://schemas.microsoft.com/office/powerpoint/2010/main" val="1248551597"/>
+      </p:ext>
+    </p:extLst>
+  </p:cSld>
+  <p:clrMapOvr>
+    <a:masterClrMapping/>
+  </p:clrMapOvr>
+</p:sld>
+</file>
+
+<file path=ppt/slides/slide6.xml><?xml version="1.0" encoding="utf-8"?>
+<p:sld xmlns:a="http://schemas.openxmlformats.org/drawingml/2006/main" xmlns:r="http://schemas.openxmlformats.org/officeDocument/2006/relationships" xmlns:p="http://schemas.openxmlformats.org/presentationml/2006/main">
+  <p:cSld>
+    <p:spTree>
+      <p:nvGrpSpPr>
+        <p:cNvPr id="1" name=""/>
+        <p:cNvGrpSpPr/>
+        <p:nvPr/>
+      </p:nvGrpSpPr>
+      <p:grpSpPr>
+        <a:xfrm>
+          <a:off x="0" y="0"/>
+          <a:ext cx="0" cy="0"/>
+          <a:chOff x="0" y="0"/>
+          <a:chExt cx="0" cy="0"/>
+        </a:xfrm>
+      </p:grpSpPr>
+      <p:grpSp>
+        <p:nvGrpSpPr>
+          <p:cNvPr id="13" name="Groupe 12">
+            <a:extLst>
+              <a:ext uri="{FF2B5EF4-FFF2-40B4-BE49-F238E27FC236}">
+                <a16:creationId xmlns:a16="http://schemas.microsoft.com/office/drawing/2014/main" xmlns="" id="{827E114A-CA12-4F8A-B0B1-01C82DE7CA85}"/>
               </a:ext>
             </a:extLst>
           </p:cNvPr>
@@ -4398,7 +5015,7 @@
             <p:cNvPr id="15" name="Rectangle : coins arrondis 14">
               <a:extLst>
                 <a:ext uri="{FF2B5EF4-FFF2-40B4-BE49-F238E27FC236}">
-                  <a16:creationId xmlns="" xmlns:a16="http://schemas.microsoft.com/office/drawing/2014/main" id="{87914022-CAA4-4EB6-AF3E-6F0BAC854356}"/>
+                  <a16:creationId xmlns:a16="http://schemas.microsoft.com/office/drawing/2014/main" xmlns="" id="{87914022-CAA4-4EB6-AF3E-6F0BAC854356}"/>
                 </a:ext>
               </a:extLst>
             </p:cNvPr>
@@ -4446,7 +5063,7 @@
             <p:cNvPr id="16" name="Rectangle : coins arrondis 15">
               <a:extLst>
                 <a:ext uri="{FF2B5EF4-FFF2-40B4-BE49-F238E27FC236}">
-                  <a16:creationId xmlns="" xmlns:a16="http://schemas.microsoft.com/office/drawing/2014/main" id="{F2B1F130-F56A-400D-A4E7-3CF423731EEA}"/>
+                  <a16:creationId xmlns:a16="http://schemas.microsoft.com/office/drawing/2014/main" xmlns="" id="{F2B1F130-F56A-400D-A4E7-3CF423731EEA}"/>
                 </a:ext>
               </a:extLst>
             </p:cNvPr>
@@ -4494,7 +5111,7 @@
             <p:cNvPr id="18" name="Connecteur droit avec flèche 17">
               <a:extLst>
                 <a:ext uri="{FF2B5EF4-FFF2-40B4-BE49-F238E27FC236}">
-                  <a16:creationId xmlns="" xmlns:a16="http://schemas.microsoft.com/office/drawing/2014/main" id="{4160F5A6-250F-4302-894D-7353DD6ED7D6}"/>
+                  <a16:creationId xmlns:a16="http://schemas.microsoft.com/office/drawing/2014/main" xmlns="" id="{4160F5A6-250F-4302-894D-7353DD6ED7D6}"/>
                 </a:ext>
               </a:extLst>
             </p:cNvPr>
@@ -4536,7 +5153,7 @@
             <p:cNvPr id="19" name="Connecteur droit avec flèche 18">
               <a:extLst>
                 <a:ext uri="{FF2B5EF4-FFF2-40B4-BE49-F238E27FC236}">
-                  <a16:creationId xmlns="" xmlns:a16="http://schemas.microsoft.com/office/drawing/2014/main" id="{7CA01E04-77C0-492B-8D14-3C926080F8FB}"/>
+                  <a16:creationId xmlns:a16="http://schemas.microsoft.com/office/drawing/2014/main" xmlns="" id="{7CA01E04-77C0-492B-8D14-3C926080F8FB}"/>
                 </a:ext>
               </a:extLst>
             </p:cNvPr>
@@ -4578,7 +5195,7 @@
             <p:cNvPr id="21" name="ZoneTexte 20">
               <a:extLst>
                 <a:ext uri="{FF2B5EF4-FFF2-40B4-BE49-F238E27FC236}">
-                  <a16:creationId xmlns="" xmlns:a16="http://schemas.microsoft.com/office/drawing/2014/main" id="{2F66D446-3266-40C3-99FB-9C5612C5C482}"/>
+                  <a16:creationId xmlns:a16="http://schemas.microsoft.com/office/drawing/2014/main" xmlns="" id="{2F66D446-3266-40C3-99FB-9C5612C5C482}"/>
                 </a:ext>
               </a:extLst>
             </p:cNvPr>
@@ -4614,7 +5231,7 @@
             <p:cNvPr id="22" name="ZoneTexte 21">
               <a:extLst>
                 <a:ext uri="{FF2B5EF4-FFF2-40B4-BE49-F238E27FC236}">
-                  <a16:creationId xmlns="" xmlns:a16="http://schemas.microsoft.com/office/drawing/2014/main" id="{7BFC5064-4DC3-4827-85B4-73AED4E6BE96}"/>
+                  <a16:creationId xmlns:a16="http://schemas.microsoft.com/office/drawing/2014/main" xmlns="" id="{7BFC5064-4DC3-4827-85B4-73AED4E6BE96}"/>
                 </a:ext>
               </a:extLst>
             </p:cNvPr>
@@ -4671,7 +5288,7 @@
 </p:sld>
 </file>
 
-<file path=ppt/slides/slide5.xml><?xml version="1.0" encoding="utf-8"?>
+<file path=ppt/slides/slide7.xml><?xml version="1.0" encoding="utf-8"?>
 <p:sld xmlns:a="http://schemas.openxmlformats.org/drawingml/2006/main" xmlns:r="http://schemas.openxmlformats.org/officeDocument/2006/relationships" xmlns:p="http://schemas.openxmlformats.org/presentationml/2006/main">
   <p:cSld>
     <p:spTree>
@@ -4693,7 +5310,7 @@
           <p:cNvPr id="13" name="Groupe 12">
             <a:extLst>
               <a:ext uri="{FF2B5EF4-FFF2-40B4-BE49-F238E27FC236}">
-                <a16:creationId xmlns="" xmlns:a16="http://schemas.microsoft.com/office/drawing/2014/main" id="{827E114A-CA12-4F8A-B0B1-01C82DE7CA85}"/>
+                <a16:creationId xmlns:a16="http://schemas.microsoft.com/office/drawing/2014/main" xmlns="" id="{827E114A-CA12-4F8A-B0B1-01C82DE7CA85}"/>
               </a:ext>
             </a:extLst>
           </p:cNvPr>
@@ -4713,7 +5330,7 @@
             <p:cNvPr id="14" name="Rectangle : coins arrondis 13">
               <a:extLst>
                 <a:ext uri="{FF2B5EF4-FFF2-40B4-BE49-F238E27FC236}">
-                  <a16:creationId xmlns="" xmlns:a16="http://schemas.microsoft.com/office/drawing/2014/main" id="{A723E91F-7EAA-4685-A383-FB2EE03AC664}"/>
+                  <a16:creationId xmlns:a16="http://schemas.microsoft.com/office/drawing/2014/main" xmlns="" id="{A723E91F-7EAA-4685-A383-FB2EE03AC664}"/>
                 </a:ext>
               </a:extLst>
             </p:cNvPr>
@@ -4761,7 +5378,7 @@
             <p:cNvPr id="15" name="Rectangle : coins arrondis 14">
               <a:extLst>
                 <a:ext uri="{FF2B5EF4-FFF2-40B4-BE49-F238E27FC236}">
-                  <a16:creationId xmlns="" xmlns:a16="http://schemas.microsoft.com/office/drawing/2014/main" id="{87914022-CAA4-4EB6-AF3E-6F0BAC854356}"/>
+                  <a16:creationId xmlns:a16="http://schemas.microsoft.com/office/drawing/2014/main" xmlns="" id="{87914022-CAA4-4EB6-AF3E-6F0BAC854356}"/>
                 </a:ext>
               </a:extLst>
             </p:cNvPr>
@@ -4809,7 +5426,7 @@
             <p:cNvPr id="16" name="Rectangle : coins arrondis 15">
               <a:extLst>
                 <a:ext uri="{FF2B5EF4-FFF2-40B4-BE49-F238E27FC236}">
-                  <a16:creationId xmlns="" xmlns:a16="http://schemas.microsoft.com/office/drawing/2014/main" id="{F2B1F130-F56A-400D-A4E7-3CF423731EEA}"/>
+                  <a16:creationId xmlns:a16="http://schemas.microsoft.com/office/drawing/2014/main" xmlns="" id="{F2B1F130-F56A-400D-A4E7-3CF423731EEA}"/>
                 </a:ext>
               </a:extLst>
             </p:cNvPr>
@@ -4857,7 +5474,7 @@
             <p:cNvPr id="18" name="Connecteur droit avec flèche 17">
               <a:extLst>
                 <a:ext uri="{FF2B5EF4-FFF2-40B4-BE49-F238E27FC236}">
-                  <a16:creationId xmlns="" xmlns:a16="http://schemas.microsoft.com/office/drawing/2014/main" id="{4160F5A6-250F-4302-894D-7353DD6ED7D6}"/>
+                  <a16:creationId xmlns:a16="http://schemas.microsoft.com/office/drawing/2014/main" xmlns="" id="{4160F5A6-250F-4302-894D-7353DD6ED7D6}"/>
                 </a:ext>
               </a:extLst>
             </p:cNvPr>
@@ -4899,7 +5516,7 @@
             <p:cNvPr id="21" name="ZoneTexte 20">
               <a:extLst>
                 <a:ext uri="{FF2B5EF4-FFF2-40B4-BE49-F238E27FC236}">
-                  <a16:creationId xmlns="" xmlns:a16="http://schemas.microsoft.com/office/drawing/2014/main" id="{2F66D446-3266-40C3-99FB-9C5612C5C482}"/>
+                  <a16:creationId xmlns:a16="http://schemas.microsoft.com/office/drawing/2014/main" xmlns="" id="{2F66D446-3266-40C3-99FB-9C5612C5C482}"/>
                 </a:ext>
               </a:extLst>
             </p:cNvPr>
@@ -4935,6 +5552,279 @@
     <p:extLst>
       <p:ext uri="{BB962C8B-B14F-4D97-AF65-F5344CB8AC3E}">
         <p14:creationId xmlns:p14="http://schemas.microsoft.com/office/powerpoint/2010/main" val="1311142649"/>
+      </p:ext>
+    </p:extLst>
+  </p:cSld>
+  <p:clrMapOvr>
+    <a:masterClrMapping/>
+  </p:clrMapOvr>
+</p:sld>
+</file>
+
+<file path=ppt/slides/slide8.xml><?xml version="1.0" encoding="utf-8"?>
+<p:sld xmlns:a="http://schemas.openxmlformats.org/drawingml/2006/main" xmlns:r="http://schemas.openxmlformats.org/officeDocument/2006/relationships" xmlns:p="http://schemas.openxmlformats.org/presentationml/2006/main">
+  <p:cSld>
+    <p:spTree>
+      <p:nvGrpSpPr>
+        <p:cNvPr id="1" name=""/>
+        <p:cNvGrpSpPr/>
+        <p:nvPr/>
+      </p:nvGrpSpPr>
+      <p:grpSpPr>
+        <a:xfrm>
+          <a:off x="0" y="0"/>
+          <a:ext cx="0" cy="0"/>
+          <a:chOff x="0" y="0"/>
+          <a:chExt cx="0" cy="0"/>
+        </a:xfrm>
+      </p:grpSpPr>
+      <p:grpSp>
+        <p:nvGrpSpPr>
+          <p:cNvPr id="13" name="Groupe 12">
+            <a:extLst>
+              <a:ext uri="{FF2B5EF4-FFF2-40B4-BE49-F238E27FC236}">
+                <a16:creationId xmlns:a16="http://schemas.microsoft.com/office/drawing/2014/main" xmlns="" id="{827E114A-CA12-4F8A-B0B1-01C82DE7CA85}"/>
+              </a:ext>
+            </a:extLst>
+          </p:cNvPr>
+          <p:cNvGrpSpPr/>
+          <p:nvPr/>
+        </p:nvGrpSpPr>
+        <p:grpSpPr>
+          <a:xfrm>
+            <a:off x="4760684" y="2400961"/>
+            <a:ext cx="2682203" cy="1566731"/>
+            <a:chOff x="3413797" y="2252680"/>
+            <a:chExt cx="2682203" cy="1566731"/>
+          </a:xfrm>
+        </p:grpSpPr>
+        <p:sp>
+          <p:nvSpPr>
+            <p:cNvPr id="14" name="Rectangle : coins arrondis 13">
+              <a:extLst>
+                <a:ext uri="{FF2B5EF4-FFF2-40B4-BE49-F238E27FC236}">
+                  <a16:creationId xmlns:a16="http://schemas.microsoft.com/office/drawing/2014/main" xmlns="" id="{A723E91F-7EAA-4685-A383-FB2EE03AC664}"/>
+                </a:ext>
+              </a:extLst>
+            </p:cNvPr>
+            <p:cNvSpPr/>
+            <p:nvPr/>
+          </p:nvSpPr>
+          <p:spPr>
+            <a:xfrm>
+              <a:off x="3413797" y="3158230"/>
+              <a:ext cx="661181" cy="661181"/>
+            </a:xfrm>
+            <a:prstGeom prst="roundRect">
+              <a:avLst/>
+            </a:prstGeom>
+            <a:ln w="38100"/>
+          </p:spPr>
+          <p:style>
+            <a:lnRef idx="2">
+              <a:schemeClr val="dk1"/>
+            </a:lnRef>
+            <a:fillRef idx="1">
+              <a:schemeClr val="lt1"/>
+            </a:fillRef>
+            <a:effectRef idx="0">
+              <a:schemeClr val="dk1"/>
+            </a:effectRef>
+            <a:fontRef idx="minor">
+              <a:schemeClr val="dk1"/>
+            </a:fontRef>
+          </p:style>
+          <p:txBody>
+            <a:bodyPr rtlCol="0" anchor="ctr"/>
+            <a:lstStyle/>
+            <a:p>
+              <a:pPr algn="ctr"/>
+              <a:r>
+                <a:rPr lang="fr-FR" sz="2400" dirty="0"/>
+                <a:t>E</a:t>
+              </a:r>
+            </a:p>
+          </p:txBody>
+        </p:sp>
+        <p:sp>
+          <p:nvSpPr>
+            <p:cNvPr id="15" name="Rectangle : coins arrondis 14">
+              <a:extLst>
+                <a:ext uri="{FF2B5EF4-FFF2-40B4-BE49-F238E27FC236}">
+                  <a16:creationId xmlns:a16="http://schemas.microsoft.com/office/drawing/2014/main" xmlns="" id="{87914022-CAA4-4EB6-AF3E-6F0BAC854356}"/>
+                </a:ext>
+              </a:extLst>
+            </p:cNvPr>
+            <p:cNvSpPr/>
+            <p:nvPr/>
+          </p:nvSpPr>
+          <p:spPr>
+            <a:xfrm>
+              <a:off x="4424308" y="3158230"/>
+              <a:ext cx="661181" cy="661181"/>
+            </a:xfrm>
+            <a:prstGeom prst="roundRect">
+              <a:avLst/>
+            </a:prstGeom>
+            <a:ln w="38100"/>
+          </p:spPr>
+          <p:style>
+            <a:lnRef idx="2">
+              <a:schemeClr val="dk1"/>
+            </a:lnRef>
+            <a:fillRef idx="1">
+              <a:schemeClr val="lt1"/>
+            </a:fillRef>
+            <a:effectRef idx="0">
+              <a:schemeClr val="dk1"/>
+            </a:effectRef>
+            <a:fontRef idx="minor">
+              <a:schemeClr val="dk1"/>
+            </a:fontRef>
+          </p:style>
+          <p:txBody>
+            <a:bodyPr rtlCol="0" anchor="ctr"/>
+            <a:lstStyle/>
+            <a:p>
+              <a:pPr algn="ctr"/>
+              <a:r>
+                <a:rPr lang="fr-FR" sz="2400" dirty="0"/>
+                <a:t>D</a:t>
+              </a:r>
+            </a:p>
+          </p:txBody>
+        </p:sp>
+        <p:sp>
+          <p:nvSpPr>
+            <p:cNvPr id="16" name="Rectangle : coins arrondis 15">
+              <a:extLst>
+                <a:ext uri="{FF2B5EF4-FFF2-40B4-BE49-F238E27FC236}">
+                  <a16:creationId xmlns:a16="http://schemas.microsoft.com/office/drawing/2014/main" xmlns="" id="{F2B1F130-F56A-400D-A4E7-3CF423731EEA}"/>
+                </a:ext>
+              </a:extLst>
+            </p:cNvPr>
+            <p:cNvSpPr/>
+            <p:nvPr/>
+          </p:nvSpPr>
+          <p:spPr>
+            <a:xfrm>
+              <a:off x="5434819" y="3158216"/>
+              <a:ext cx="661181" cy="661181"/>
+            </a:xfrm>
+            <a:prstGeom prst="roundRect">
+              <a:avLst/>
+            </a:prstGeom>
+            <a:ln w="38100"/>
+          </p:spPr>
+          <p:style>
+            <a:lnRef idx="2">
+              <a:schemeClr val="dk1"/>
+            </a:lnRef>
+            <a:fillRef idx="1">
+              <a:schemeClr val="lt1"/>
+            </a:fillRef>
+            <a:effectRef idx="0">
+              <a:schemeClr val="dk1"/>
+            </a:effectRef>
+            <a:fontRef idx="minor">
+              <a:schemeClr val="dk1"/>
+            </a:fontRef>
+          </p:style>
+          <p:txBody>
+            <a:bodyPr rtlCol="0" anchor="ctr"/>
+            <a:lstStyle/>
+            <a:p>
+              <a:pPr algn="ctr"/>
+              <a:r>
+                <a:rPr lang="fr-FR" sz="2400" dirty="0"/>
+                <a:t>C</a:t>
+              </a:r>
+            </a:p>
+          </p:txBody>
+        </p:sp>
+        <p:cxnSp>
+          <p:nvCxnSpPr>
+            <p:cNvPr id="18" name="Connecteur droit avec flèche 17">
+              <a:extLst>
+                <a:ext uri="{FF2B5EF4-FFF2-40B4-BE49-F238E27FC236}">
+                  <a16:creationId xmlns:a16="http://schemas.microsoft.com/office/drawing/2014/main" xmlns="" id="{4160F5A6-250F-4302-894D-7353DD6ED7D6}"/>
+                </a:ext>
+              </a:extLst>
+            </p:cNvPr>
+            <p:cNvCxnSpPr/>
+            <p:nvPr/>
+          </p:nvCxnSpPr>
+          <p:spPr>
+            <a:xfrm>
+              <a:off x="4754898" y="2652790"/>
+              <a:ext cx="0" cy="369420"/>
+            </a:xfrm>
+            <a:prstGeom prst="straightConnector1">
+              <a:avLst/>
+            </a:prstGeom>
+            <a:ln w="28575">
+              <a:solidFill>
+                <a:schemeClr val="tx1"/>
+              </a:solidFill>
+              <a:tailEnd type="triangle"/>
+            </a:ln>
+          </p:spPr>
+          <p:style>
+            <a:lnRef idx="1">
+              <a:schemeClr val="accent1"/>
+            </a:lnRef>
+            <a:fillRef idx="0">
+              <a:schemeClr val="accent1"/>
+            </a:fillRef>
+            <a:effectRef idx="0">
+              <a:schemeClr val="accent1"/>
+            </a:effectRef>
+            <a:fontRef idx="minor">
+              <a:schemeClr val="tx1"/>
+            </a:fontRef>
+          </p:style>
+        </p:cxnSp>
+        <p:sp>
+          <p:nvSpPr>
+            <p:cNvPr id="21" name="ZoneTexte 20">
+              <a:extLst>
+                <a:ext uri="{FF2B5EF4-FFF2-40B4-BE49-F238E27FC236}">
+                  <a16:creationId xmlns:a16="http://schemas.microsoft.com/office/drawing/2014/main" xmlns="" id="{2F66D446-3266-40C3-99FB-9C5612C5C482}"/>
+                </a:ext>
+              </a:extLst>
+            </p:cNvPr>
+            <p:cNvSpPr txBox="1"/>
+            <p:nvPr/>
+          </p:nvSpPr>
+          <p:spPr>
+            <a:xfrm>
+              <a:off x="4345876" y="2252680"/>
+              <a:ext cx="992388" cy="400110"/>
+            </a:xfrm>
+            <a:prstGeom prst="rect">
+              <a:avLst/>
+            </a:prstGeom>
+            <a:noFill/>
+          </p:spPr>
+          <p:txBody>
+            <a:bodyPr wrap="none" rtlCol="0">
+              <a:spAutoFit/>
+            </a:bodyPr>
+            <a:lstStyle/>
+            <a:p>
+              <a:r>
+                <a:rPr lang="fr-FR" sz="2000" smtClean="0"/>
+                <a:t>DEPART</a:t>
+              </a:r>
+              <a:endParaRPr lang="fr-FR" sz="2000" dirty="0"/>
+            </a:p>
+          </p:txBody>
+        </p:sp>
+      </p:grpSp>
+    </p:spTree>
+    <p:extLst>
+      <p:ext uri="{BB962C8B-B14F-4D97-AF65-F5344CB8AC3E}">
+        <p14:creationId xmlns:p14="http://schemas.microsoft.com/office/powerpoint/2010/main" val="288613231"/>
       </p:ext>
     </p:extLst>
   </p:cSld>
